--- a/docs/_static/anime.pptx
+++ b/docs/_static/anime.pptx
@@ -6,6 +6,7 @@
   </p:sldMasterIdLst>
   <p:sldIdLst>
     <p:sldId id="256" r:id="rId2"/>
+    <p:sldId id="257" r:id="rId3"/>
   </p:sldIdLst>
   <p:sldSz cx="12192000" cy="6858000"/>
   <p:notesSz cx="6858000" cy="9144000"/>
@@ -104,7 +105,273 @@
       </a:defRPr>
     </a:lvl9pPr>
   </p:defaultTextStyle>
+  <p:extLst>
+    <p:ext uri="{EFAFB233-063F-42B5-8137-9DF3F51BA10A}">
+      <p15:sldGuideLst xmlns:p15="http://schemas.microsoft.com/office/powerpoint/2012/main"/>
+    </p:ext>
+  </p:extLst>
 </p:presentation>
+</file>
+
+<file path=ppt/revisionInfo.xml><?xml version="1.0" encoding="utf-8"?>
+<p1510:revInfo xmlns:a="http://schemas.openxmlformats.org/drawingml/2006/main" xmlns:r="http://schemas.openxmlformats.org/officeDocument/2006/relationships" xmlns:p1510="http://schemas.microsoft.com/office/powerpoint/2015/10/main">
+  <p1510:revLst>
+    <p1510:client id="{7C2AC24F-7EDE-402E-88F3-6EA4D5B1D612}" v="1" dt="2022-07-27T15:43:35.582"/>
+  </p1510:revLst>
+</p1510:revInfo>
+</file>
+
+<file path=ppt/changesInfos/changesInfo1.xml><?xml version="1.0" encoding="utf-8"?>
+<pc:chgInfo xmlns:a="http://schemas.openxmlformats.org/drawingml/2006/main" xmlns:r="http://schemas.openxmlformats.org/officeDocument/2006/relationships" xmlns:ac="http://schemas.microsoft.com/office/drawing/2013/main/command" xmlns:pc="http://schemas.microsoft.com/office/powerpoint/2013/main/command">
+  <pc:docChgLst>
+    <pc:chgData name="Wang Haozhou" userId="35baf9bfce3de29c" providerId="LiveId" clId="{7C2AC24F-7EDE-402E-88F3-6EA4D5B1D612}"/>
+    <pc:docChg chg="custSel addSld modSld">
+      <pc:chgData name="Wang Haozhou" userId="35baf9bfce3de29c" providerId="LiveId" clId="{7C2AC24F-7EDE-402E-88F3-6EA4D5B1D612}" dt="2022-07-27T15:43:35.581" v="2"/>
+      <pc:docMkLst>
+        <pc:docMk/>
+      </pc:docMkLst>
+      <pc:sldChg chg="addSp delSp modSp new mod modClrScheme chgLayout">
+        <pc:chgData name="Wang Haozhou" userId="35baf9bfce3de29c" providerId="LiveId" clId="{7C2AC24F-7EDE-402E-88F3-6EA4D5B1D612}" dt="2022-07-27T15:43:35.581" v="2"/>
+        <pc:sldMkLst>
+          <pc:docMk/>
+          <pc:sldMk cId="415369177" sldId="257"/>
+        </pc:sldMkLst>
+        <pc:spChg chg="del">
+          <ac:chgData name="Wang Haozhou" userId="35baf9bfce3de29c" providerId="LiveId" clId="{7C2AC24F-7EDE-402E-88F3-6EA4D5B1D612}" dt="2022-07-27T15:43:35.083" v="1" actId="700"/>
+          <ac:spMkLst>
+            <pc:docMk/>
+            <pc:sldMk cId="415369177" sldId="257"/>
+            <ac:spMk id="2" creationId="{1F34806E-9420-DC85-6BDF-14C6B0A65586}"/>
+          </ac:spMkLst>
+        </pc:spChg>
+        <pc:spChg chg="del">
+          <ac:chgData name="Wang Haozhou" userId="35baf9bfce3de29c" providerId="LiveId" clId="{7C2AC24F-7EDE-402E-88F3-6EA4D5B1D612}" dt="2022-07-27T15:43:35.083" v="1" actId="700"/>
+          <ac:spMkLst>
+            <pc:docMk/>
+            <pc:sldMk cId="415369177" sldId="257"/>
+            <ac:spMk id="3" creationId="{17B6351C-2CB4-FA70-57F3-9694230A1C55}"/>
+          </ac:spMkLst>
+        </pc:spChg>
+        <pc:spChg chg="add mod">
+          <ac:chgData name="Wang Haozhou" userId="35baf9bfce3de29c" providerId="LiveId" clId="{7C2AC24F-7EDE-402E-88F3-6EA4D5B1D612}" dt="2022-07-27T15:43:35.581" v="2"/>
+          <ac:spMkLst>
+            <pc:docMk/>
+            <pc:sldMk cId="415369177" sldId="257"/>
+            <ac:spMk id="4" creationId="{F1F10376-F427-F36A-6473-FCEF848C877E}"/>
+          </ac:spMkLst>
+        </pc:spChg>
+        <pc:spChg chg="add mod">
+          <ac:chgData name="Wang Haozhou" userId="35baf9bfce3de29c" providerId="LiveId" clId="{7C2AC24F-7EDE-402E-88F3-6EA4D5B1D612}" dt="2022-07-27T15:43:35.581" v="2"/>
+          <ac:spMkLst>
+            <pc:docMk/>
+            <pc:sldMk cId="415369177" sldId="257"/>
+            <ac:spMk id="5" creationId="{80B21296-642C-B7B7-6DAA-E5D0AC53C0D6}"/>
+          </ac:spMkLst>
+        </pc:spChg>
+        <pc:spChg chg="add mod">
+          <ac:chgData name="Wang Haozhou" userId="35baf9bfce3de29c" providerId="LiveId" clId="{7C2AC24F-7EDE-402E-88F3-6EA4D5B1D612}" dt="2022-07-27T15:43:35.581" v="2"/>
+          <ac:spMkLst>
+            <pc:docMk/>
+            <pc:sldMk cId="415369177" sldId="257"/>
+            <ac:spMk id="6" creationId="{4D211FA5-2412-9145-5CEA-1085ADC05C6B}"/>
+          </ac:spMkLst>
+        </pc:spChg>
+        <pc:spChg chg="add mod">
+          <ac:chgData name="Wang Haozhou" userId="35baf9bfce3de29c" providerId="LiveId" clId="{7C2AC24F-7EDE-402E-88F3-6EA4D5B1D612}" dt="2022-07-27T15:43:35.581" v="2"/>
+          <ac:spMkLst>
+            <pc:docMk/>
+            <pc:sldMk cId="415369177" sldId="257"/>
+            <ac:spMk id="7" creationId="{4FD604BD-1112-9A9C-B52D-2C703A080764}"/>
+          </ac:spMkLst>
+        </pc:spChg>
+        <pc:spChg chg="add mod">
+          <ac:chgData name="Wang Haozhou" userId="35baf9bfce3de29c" providerId="LiveId" clId="{7C2AC24F-7EDE-402E-88F3-6EA4D5B1D612}" dt="2022-07-27T15:43:35.581" v="2"/>
+          <ac:spMkLst>
+            <pc:docMk/>
+            <pc:sldMk cId="415369177" sldId="257"/>
+            <ac:spMk id="8" creationId="{6F0B93C1-AC38-0A10-92BE-79A49B375FB0}"/>
+          </ac:spMkLst>
+        </pc:spChg>
+        <pc:spChg chg="add mod">
+          <ac:chgData name="Wang Haozhou" userId="35baf9bfce3de29c" providerId="LiveId" clId="{7C2AC24F-7EDE-402E-88F3-6EA4D5B1D612}" dt="2022-07-27T15:43:35.581" v="2"/>
+          <ac:spMkLst>
+            <pc:docMk/>
+            <pc:sldMk cId="415369177" sldId="257"/>
+            <ac:spMk id="9" creationId="{A3434A03-0F26-906D-8ABF-9191F624A6F4}"/>
+          </ac:spMkLst>
+        </pc:spChg>
+        <pc:spChg chg="add mod">
+          <ac:chgData name="Wang Haozhou" userId="35baf9bfce3de29c" providerId="LiveId" clId="{7C2AC24F-7EDE-402E-88F3-6EA4D5B1D612}" dt="2022-07-27T15:43:35.581" v="2"/>
+          <ac:spMkLst>
+            <pc:docMk/>
+            <pc:sldMk cId="415369177" sldId="257"/>
+            <ac:spMk id="10" creationId="{8F59A137-5E3C-79BC-B073-EDF976CB487F}"/>
+          </ac:spMkLst>
+        </pc:spChg>
+        <pc:spChg chg="add mod">
+          <ac:chgData name="Wang Haozhou" userId="35baf9bfce3de29c" providerId="LiveId" clId="{7C2AC24F-7EDE-402E-88F3-6EA4D5B1D612}" dt="2022-07-27T15:43:35.581" v="2"/>
+          <ac:spMkLst>
+            <pc:docMk/>
+            <pc:sldMk cId="415369177" sldId="257"/>
+            <ac:spMk id="11" creationId="{50C3A084-5C05-0FD0-E1A4-E155E28052DC}"/>
+          </ac:spMkLst>
+        </pc:spChg>
+        <pc:spChg chg="add mod">
+          <ac:chgData name="Wang Haozhou" userId="35baf9bfce3de29c" providerId="LiveId" clId="{7C2AC24F-7EDE-402E-88F3-6EA4D5B1D612}" dt="2022-07-27T15:43:35.581" v="2"/>
+          <ac:spMkLst>
+            <pc:docMk/>
+            <pc:sldMk cId="415369177" sldId="257"/>
+            <ac:spMk id="12" creationId="{2C199667-11DC-37E1-4805-9234408CEFCA}"/>
+          </ac:spMkLst>
+        </pc:spChg>
+        <pc:spChg chg="add mod">
+          <ac:chgData name="Wang Haozhou" userId="35baf9bfce3de29c" providerId="LiveId" clId="{7C2AC24F-7EDE-402E-88F3-6EA4D5B1D612}" dt="2022-07-27T15:43:35.581" v="2"/>
+          <ac:spMkLst>
+            <pc:docMk/>
+            <pc:sldMk cId="415369177" sldId="257"/>
+            <ac:spMk id="13" creationId="{99759670-FF99-8DA6-3E06-F83B4F0EDD8C}"/>
+          </ac:spMkLst>
+        </pc:spChg>
+        <pc:spChg chg="add mod">
+          <ac:chgData name="Wang Haozhou" userId="35baf9bfce3de29c" providerId="LiveId" clId="{7C2AC24F-7EDE-402E-88F3-6EA4D5B1D612}" dt="2022-07-27T15:43:35.581" v="2"/>
+          <ac:spMkLst>
+            <pc:docMk/>
+            <pc:sldMk cId="415369177" sldId="257"/>
+            <ac:spMk id="14" creationId="{5B54177D-97ED-089A-7B41-E5B9EA74B7AC}"/>
+          </ac:spMkLst>
+        </pc:spChg>
+        <pc:spChg chg="add mod">
+          <ac:chgData name="Wang Haozhou" userId="35baf9bfce3de29c" providerId="LiveId" clId="{7C2AC24F-7EDE-402E-88F3-6EA4D5B1D612}" dt="2022-07-27T15:43:35.581" v="2"/>
+          <ac:spMkLst>
+            <pc:docMk/>
+            <pc:sldMk cId="415369177" sldId="257"/>
+            <ac:spMk id="15" creationId="{60AB8E5A-6FF3-4C04-826E-79FDD209523C}"/>
+          </ac:spMkLst>
+        </pc:spChg>
+        <pc:spChg chg="add mod">
+          <ac:chgData name="Wang Haozhou" userId="35baf9bfce3de29c" providerId="LiveId" clId="{7C2AC24F-7EDE-402E-88F3-6EA4D5B1D612}" dt="2022-07-27T15:43:35.581" v="2"/>
+          <ac:spMkLst>
+            <pc:docMk/>
+            <pc:sldMk cId="415369177" sldId="257"/>
+            <ac:spMk id="16" creationId="{A7C2B2A8-F1B2-82D2-BCFD-C23598269AEF}"/>
+          </ac:spMkLst>
+        </pc:spChg>
+        <pc:spChg chg="add mod">
+          <ac:chgData name="Wang Haozhou" userId="35baf9bfce3de29c" providerId="LiveId" clId="{7C2AC24F-7EDE-402E-88F3-6EA4D5B1D612}" dt="2022-07-27T15:43:35.581" v="2"/>
+          <ac:spMkLst>
+            <pc:docMk/>
+            <pc:sldMk cId="415369177" sldId="257"/>
+            <ac:spMk id="17" creationId="{B8677365-EAA9-3879-3131-2A16A1AE7D3A}"/>
+          </ac:spMkLst>
+        </pc:spChg>
+        <pc:spChg chg="add mod">
+          <ac:chgData name="Wang Haozhou" userId="35baf9bfce3de29c" providerId="LiveId" clId="{7C2AC24F-7EDE-402E-88F3-6EA4D5B1D612}" dt="2022-07-27T15:43:35.581" v="2"/>
+          <ac:spMkLst>
+            <pc:docMk/>
+            <pc:sldMk cId="415369177" sldId="257"/>
+            <ac:spMk id="18" creationId="{5285EA65-FCDF-63C0-9287-E4D0E5D472AA}"/>
+          </ac:spMkLst>
+        </pc:spChg>
+        <pc:spChg chg="add mod">
+          <ac:chgData name="Wang Haozhou" userId="35baf9bfce3de29c" providerId="LiveId" clId="{7C2AC24F-7EDE-402E-88F3-6EA4D5B1D612}" dt="2022-07-27T15:43:35.581" v="2"/>
+          <ac:spMkLst>
+            <pc:docMk/>
+            <pc:sldMk cId="415369177" sldId="257"/>
+            <ac:spMk id="19" creationId="{E6211923-96C0-091C-51FD-81E372416B49}"/>
+          </ac:spMkLst>
+        </pc:spChg>
+        <pc:spChg chg="add mod">
+          <ac:chgData name="Wang Haozhou" userId="35baf9bfce3de29c" providerId="LiveId" clId="{7C2AC24F-7EDE-402E-88F3-6EA4D5B1D612}" dt="2022-07-27T15:43:35.581" v="2"/>
+          <ac:spMkLst>
+            <pc:docMk/>
+            <pc:sldMk cId="415369177" sldId="257"/>
+            <ac:spMk id="21" creationId="{E6ECBB57-A0BB-4517-E325-02AAD8F973D7}"/>
+          </ac:spMkLst>
+        </pc:spChg>
+        <pc:spChg chg="add mod">
+          <ac:chgData name="Wang Haozhou" userId="35baf9bfce3de29c" providerId="LiveId" clId="{7C2AC24F-7EDE-402E-88F3-6EA4D5B1D612}" dt="2022-07-27T15:43:35.581" v="2"/>
+          <ac:spMkLst>
+            <pc:docMk/>
+            <pc:sldMk cId="415369177" sldId="257"/>
+            <ac:spMk id="22" creationId="{00574155-F28F-1E23-BDE1-F7E2B377D148}"/>
+          </ac:spMkLst>
+        </pc:spChg>
+        <pc:spChg chg="add mod">
+          <ac:chgData name="Wang Haozhou" userId="35baf9bfce3de29c" providerId="LiveId" clId="{7C2AC24F-7EDE-402E-88F3-6EA4D5B1D612}" dt="2022-07-27T15:43:35.581" v="2"/>
+          <ac:spMkLst>
+            <pc:docMk/>
+            <pc:sldMk cId="415369177" sldId="257"/>
+            <ac:spMk id="23" creationId="{F7725621-E1B9-452F-EB15-ECCA67392757}"/>
+          </ac:spMkLst>
+        </pc:spChg>
+        <pc:spChg chg="add mod">
+          <ac:chgData name="Wang Haozhou" userId="35baf9bfce3de29c" providerId="LiveId" clId="{7C2AC24F-7EDE-402E-88F3-6EA4D5B1D612}" dt="2022-07-27T15:43:35.581" v="2"/>
+          <ac:spMkLst>
+            <pc:docMk/>
+            <pc:sldMk cId="415369177" sldId="257"/>
+            <ac:spMk id="24" creationId="{8C570861-A6A8-4321-21C6-F91EEE9E6DC7}"/>
+          </ac:spMkLst>
+        </pc:spChg>
+        <pc:spChg chg="add mod">
+          <ac:chgData name="Wang Haozhou" userId="35baf9bfce3de29c" providerId="LiveId" clId="{7C2AC24F-7EDE-402E-88F3-6EA4D5B1D612}" dt="2022-07-27T15:43:35.581" v="2"/>
+          <ac:spMkLst>
+            <pc:docMk/>
+            <pc:sldMk cId="415369177" sldId="257"/>
+            <ac:spMk id="25" creationId="{BA8F6133-8270-F9B2-DF9C-59C3BBFDCEFA}"/>
+          </ac:spMkLst>
+        </pc:spChg>
+        <pc:spChg chg="add mod">
+          <ac:chgData name="Wang Haozhou" userId="35baf9bfce3de29c" providerId="LiveId" clId="{7C2AC24F-7EDE-402E-88F3-6EA4D5B1D612}" dt="2022-07-27T15:43:35.581" v="2"/>
+          <ac:spMkLst>
+            <pc:docMk/>
+            <pc:sldMk cId="415369177" sldId="257"/>
+            <ac:spMk id="26" creationId="{DFB6A537-2C24-167E-7725-998593CF0FAE}"/>
+          </ac:spMkLst>
+        </pc:spChg>
+        <pc:spChg chg="add mod">
+          <ac:chgData name="Wang Haozhou" userId="35baf9bfce3de29c" providerId="LiveId" clId="{7C2AC24F-7EDE-402E-88F3-6EA4D5B1D612}" dt="2022-07-27T15:43:35.581" v="2"/>
+          <ac:spMkLst>
+            <pc:docMk/>
+            <pc:sldMk cId="415369177" sldId="257"/>
+            <ac:spMk id="27" creationId="{A7272280-5E15-AA2F-48CC-99EE9EF5C539}"/>
+          </ac:spMkLst>
+        </pc:spChg>
+        <pc:spChg chg="add mod">
+          <ac:chgData name="Wang Haozhou" userId="35baf9bfce3de29c" providerId="LiveId" clId="{7C2AC24F-7EDE-402E-88F3-6EA4D5B1D612}" dt="2022-07-27T15:43:35.581" v="2"/>
+          <ac:spMkLst>
+            <pc:docMk/>
+            <pc:sldMk cId="415369177" sldId="257"/>
+            <ac:spMk id="28" creationId="{101CAB6A-7B28-A302-6F62-ECFE69BE87FD}"/>
+          </ac:spMkLst>
+        </pc:spChg>
+        <pc:spChg chg="add mod">
+          <ac:chgData name="Wang Haozhou" userId="35baf9bfce3de29c" providerId="LiveId" clId="{7C2AC24F-7EDE-402E-88F3-6EA4D5B1D612}" dt="2022-07-27T15:43:35.581" v="2"/>
+          <ac:spMkLst>
+            <pc:docMk/>
+            <pc:sldMk cId="415369177" sldId="257"/>
+            <ac:spMk id="29" creationId="{3EAE7979-F8FF-A54B-BA2E-8ED6246B7BB5}"/>
+          </ac:spMkLst>
+        </pc:spChg>
+        <pc:spChg chg="add mod">
+          <ac:chgData name="Wang Haozhou" userId="35baf9bfce3de29c" providerId="LiveId" clId="{7C2AC24F-7EDE-402E-88F3-6EA4D5B1D612}" dt="2022-07-27T15:43:35.581" v="2"/>
+          <ac:spMkLst>
+            <pc:docMk/>
+            <pc:sldMk cId="415369177" sldId="257"/>
+            <ac:spMk id="30" creationId="{E8F78A73-5E81-02D3-B662-834E410052A7}"/>
+          </ac:spMkLst>
+        </pc:spChg>
+        <pc:cxnChg chg="add mod">
+          <ac:chgData name="Wang Haozhou" userId="35baf9bfce3de29c" providerId="LiveId" clId="{7C2AC24F-7EDE-402E-88F3-6EA4D5B1D612}" dt="2022-07-27T15:43:35.581" v="2"/>
+          <ac:cxnSpMkLst>
+            <pc:docMk/>
+            <pc:sldMk cId="415369177" sldId="257"/>
+            <ac:cxnSpMk id="20" creationId="{FF28B8BE-F47A-B078-29AA-84F16F7E5C1C}"/>
+          </ac:cxnSpMkLst>
+        </pc:cxnChg>
+      </pc:sldChg>
+    </pc:docChg>
+  </pc:docChgLst>
+</pc:chgInfo>
 </file>
 
 <file path=ppt/slideLayouts/slideLayout1.xml><?xml version="1.0" encoding="utf-8"?>
@@ -254,7 +521,7 @@
           <a:p>
             <a:fld id="{F22BDC89-9E9E-3E48-98D5-B035B26EE505}" type="datetimeFigureOut">
               <a:rPr kumimoji="1" lang="zh-CN" altLang="en-US" smtClean="0"/>
-              <a:t>2022/7/22</a:t>
+              <a:t>2022/7/28</a:t>
             </a:fld>
             <a:endParaRPr kumimoji="1" lang="zh-CN" altLang="en-US"/>
           </a:p>
@@ -452,7 +719,7 @@
           <a:p>
             <a:fld id="{F22BDC89-9E9E-3E48-98D5-B035B26EE505}" type="datetimeFigureOut">
               <a:rPr kumimoji="1" lang="zh-CN" altLang="en-US" smtClean="0"/>
-              <a:t>2022/7/22</a:t>
+              <a:t>2022/7/28</a:t>
             </a:fld>
             <a:endParaRPr kumimoji="1" lang="zh-CN" altLang="en-US"/>
           </a:p>
@@ -660,7 +927,7 @@
           <a:p>
             <a:fld id="{F22BDC89-9E9E-3E48-98D5-B035B26EE505}" type="datetimeFigureOut">
               <a:rPr kumimoji="1" lang="zh-CN" altLang="en-US" smtClean="0"/>
-              <a:t>2022/7/22</a:t>
+              <a:t>2022/7/28</a:t>
             </a:fld>
             <a:endParaRPr kumimoji="1" lang="zh-CN" altLang="en-US"/>
           </a:p>
@@ -858,7 +1125,7 @@
           <a:p>
             <a:fld id="{F22BDC89-9E9E-3E48-98D5-B035B26EE505}" type="datetimeFigureOut">
               <a:rPr kumimoji="1" lang="zh-CN" altLang="en-US" smtClean="0"/>
-              <a:t>2022/7/22</a:t>
+              <a:t>2022/7/28</a:t>
             </a:fld>
             <a:endParaRPr kumimoji="1" lang="zh-CN" altLang="en-US"/>
           </a:p>
@@ -1133,7 +1400,7 @@
           <a:p>
             <a:fld id="{F22BDC89-9E9E-3E48-98D5-B035B26EE505}" type="datetimeFigureOut">
               <a:rPr kumimoji="1" lang="zh-CN" altLang="en-US" smtClean="0"/>
-              <a:t>2022/7/22</a:t>
+              <a:t>2022/7/28</a:t>
             </a:fld>
             <a:endParaRPr kumimoji="1" lang="zh-CN" altLang="en-US"/>
           </a:p>
@@ -1398,7 +1665,7 @@
           <a:p>
             <a:fld id="{F22BDC89-9E9E-3E48-98D5-B035B26EE505}" type="datetimeFigureOut">
               <a:rPr kumimoji="1" lang="zh-CN" altLang="en-US" smtClean="0"/>
-              <a:t>2022/7/22</a:t>
+              <a:t>2022/7/28</a:t>
             </a:fld>
             <a:endParaRPr kumimoji="1" lang="zh-CN" altLang="en-US"/>
           </a:p>
@@ -1810,7 +2077,7 @@
           <a:p>
             <a:fld id="{F22BDC89-9E9E-3E48-98D5-B035B26EE505}" type="datetimeFigureOut">
               <a:rPr kumimoji="1" lang="zh-CN" altLang="en-US" smtClean="0"/>
-              <a:t>2022/7/22</a:t>
+              <a:t>2022/7/28</a:t>
             </a:fld>
             <a:endParaRPr kumimoji="1" lang="zh-CN" altLang="en-US"/>
           </a:p>
@@ -1951,7 +2218,7 @@
           <a:p>
             <a:fld id="{F22BDC89-9E9E-3E48-98D5-B035B26EE505}" type="datetimeFigureOut">
               <a:rPr kumimoji="1" lang="zh-CN" altLang="en-US" smtClean="0"/>
-              <a:t>2022/7/22</a:t>
+              <a:t>2022/7/28</a:t>
             </a:fld>
             <a:endParaRPr kumimoji="1" lang="zh-CN" altLang="en-US"/>
           </a:p>
@@ -2064,7 +2331,7 @@
           <a:p>
             <a:fld id="{F22BDC89-9E9E-3E48-98D5-B035B26EE505}" type="datetimeFigureOut">
               <a:rPr kumimoji="1" lang="zh-CN" altLang="en-US" smtClean="0"/>
-              <a:t>2022/7/22</a:t>
+              <a:t>2022/7/28</a:t>
             </a:fld>
             <a:endParaRPr kumimoji="1" lang="zh-CN" altLang="en-US"/>
           </a:p>
@@ -2375,7 +2642,7 @@
           <a:p>
             <a:fld id="{F22BDC89-9E9E-3E48-98D5-B035B26EE505}" type="datetimeFigureOut">
               <a:rPr kumimoji="1" lang="zh-CN" altLang="en-US" smtClean="0"/>
-              <a:t>2022/7/22</a:t>
+              <a:t>2022/7/28</a:t>
             </a:fld>
             <a:endParaRPr kumimoji="1" lang="zh-CN" altLang="en-US"/>
           </a:p>
@@ -2663,7 +2930,7 @@
           <a:p>
             <a:fld id="{F22BDC89-9E9E-3E48-98D5-B035B26EE505}" type="datetimeFigureOut">
               <a:rPr kumimoji="1" lang="zh-CN" altLang="en-US" smtClean="0"/>
-              <a:t>2022/7/22</a:t>
+              <a:t>2022/7/28</a:t>
             </a:fld>
             <a:endParaRPr kumimoji="1" lang="zh-CN" altLang="en-US"/>
           </a:p>
@@ -2904,7 +3171,7 @@
           <a:p>
             <a:fld id="{F22BDC89-9E9E-3E48-98D5-B035B26EE505}" type="datetimeFigureOut">
               <a:rPr kumimoji="1" lang="zh-CN" altLang="en-US" smtClean="0"/>
-              <a:t>2022/7/22</a:t>
+              <a:t>2022/7/28</a:t>
             </a:fld>
             <a:endParaRPr kumimoji="1" lang="zh-CN" altLang="en-US"/>
           </a:p>
@@ -4403,6 +4670,1589 @@
 </p:sld>
 </file>
 
+<file path=ppt/slides/slide2.xml><?xml version="1.0" encoding="utf-8"?>
+<p:sld xmlns:a="http://schemas.openxmlformats.org/drawingml/2006/main" xmlns:r="http://schemas.openxmlformats.org/officeDocument/2006/relationships" xmlns:p="http://schemas.openxmlformats.org/presentationml/2006/main">
+  <p:cSld>
+    <p:spTree>
+      <p:nvGrpSpPr>
+        <p:cNvPr id="1" name=""/>
+        <p:cNvGrpSpPr/>
+        <p:nvPr/>
+      </p:nvGrpSpPr>
+      <p:grpSpPr>
+        <a:xfrm>
+          <a:off x="0" y="0"/>
+          <a:ext cx="0" cy="0"/>
+          <a:chOff x="0" y="0"/>
+          <a:chExt cx="0" cy="0"/>
+        </a:xfrm>
+      </p:grpSpPr>
+      <p:sp>
+        <p:nvSpPr>
+          <p:cNvPr id="4" name="矩形 3">
+            <a:extLst>
+              <a:ext uri="{FF2B5EF4-FFF2-40B4-BE49-F238E27FC236}">
+                <a16:creationId xmlns:a16="http://schemas.microsoft.com/office/drawing/2014/main" id="{F1F10376-F427-F36A-6473-FCEF848C877E}"/>
+              </a:ext>
+            </a:extLst>
+          </p:cNvPr>
+          <p:cNvSpPr/>
+          <p:nvPr/>
+        </p:nvSpPr>
+        <p:spPr>
+          <a:xfrm>
+            <a:off x="7395633" y="184375"/>
+            <a:ext cx="3200400" cy="1898197"/>
+          </a:xfrm>
+          <a:prstGeom prst="rect">
+            <a:avLst/>
+          </a:prstGeom>
+          <a:solidFill>
+            <a:schemeClr val="accent5">
+              <a:alpha val="50000"/>
+            </a:schemeClr>
+          </a:solidFill>
+          <a:ln>
+            <a:noFill/>
+          </a:ln>
+        </p:spPr>
+        <p:style>
+          <a:lnRef idx="0">
+            <a:scrgbClr r="0" g="0" b="0"/>
+          </a:lnRef>
+          <a:fillRef idx="0">
+            <a:scrgbClr r="0" g="0" b="0"/>
+          </a:fillRef>
+          <a:effectRef idx="0">
+            <a:scrgbClr r="0" g="0" b="0"/>
+          </a:effectRef>
+          <a:fontRef idx="minor">
+            <a:schemeClr val="lt1"/>
+          </a:fontRef>
+        </p:style>
+        <p:txBody>
+          <a:bodyPr rtlCol="0" anchor="ctr"/>
+          <a:lstStyle/>
+          <a:p>
+            <a:pPr algn="ctr"/>
+            <a:endParaRPr lang="zh-CN" altLang="en-US"/>
+          </a:p>
+        </p:txBody>
+      </p:sp>
+      <p:sp>
+        <p:nvSpPr>
+          <p:cNvPr id="5" name="任意多边形: 形状 4">
+            <a:extLst>
+              <a:ext uri="{FF2B5EF4-FFF2-40B4-BE49-F238E27FC236}">
+                <a16:creationId xmlns:a16="http://schemas.microsoft.com/office/drawing/2014/main" id="{80B21296-642C-B7B7-6DAA-E5D0AC53C0D6}"/>
+              </a:ext>
+            </a:extLst>
+          </p:cNvPr>
+          <p:cNvSpPr/>
+          <p:nvPr/>
+        </p:nvSpPr>
+        <p:spPr>
+          <a:xfrm>
+            <a:off x="5376523" y="817108"/>
+            <a:ext cx="1677761" cy="1469571"/>
+          </a:xfrm>
+          <a:custGeom>
+            <a:avLst/>
+            <a:gdLst>
+              <a:gd name="connsiteX0" fmla="*/ 738868 w 1677761"/>
+              <a:gd name="connsiteY0" fmla="*/ 0 h 1469571"/>
+              <a:gd name="connsiteX1" fmla="*/ 0 w 1677761"/>
+              <a:gd name="connsiteY1" fmla="*/ 926646 h 1469571"/>
+              <a:gd name="connsiteX2" fmla="*/ 861333 w 1677761"/>
+              <a:gd name="connsiteY2" fmla="*/ 1469571 h 1469571"/>
+              <a:gd name="connsiteX3" fmla="*/ 1677761 w 1677761"/>
+              <a:gd name="connsiteY3" fmla="*/ 693964 h 1469571"/>
+              <a:gd name="connsiteX4" fmla="*/ 738868 w 1677761"/>
+              <a:gd name="connsiteY4" fmla="*/ 0 h 1469571"/>
+            </a:gdLst>
+            <a:ahLst/>
+            <a:cxnLst>
+              <a:cxn ang="0">
+                <a:pos x="connsiteX0" y="connsiteY0"/>
+              </a:cxn>
+              <a:cxn ang="0">
+                <a:pos x="connsiteX1" y="connsiteY1"/>
+              </a:cxn>
+              <a:cxn ang="0">
+                <a:pos x="connsiteX2" y="connsiteY2"/>
+              </a:cxn>
+              <a:cxn ang="0">
+                <a:pos x="connsiteX3" y="connsiteY3"/>
+              </a:cxn>
+              <a:cxn ang="0">
+                <a:pos x="connsiteX4" y="connsiteY4"/>
+              </a:cxn>
+            </a:cxnLst>
+            <a:rect l="l" t="t" r="r" b="b"/>
+            <a:pathLst>
+              <a:path w="1677761" h="1469571">
+                <a:moveTo>
+                  <a:pt x="738868" y="0"/>
+                </a:moveTo>
+                <a:lnTo>
+                  <a:pt x="0" y="926646"/>
+                </a:lnTo>
+                <a:lnTo>
+                  <a:pt x="861333" y="1469571"/>
+                </a:lnTo>
+                <a:lnTo>
+                  <a:pt x="1677761" y="693964"/>
+                </a:lnTo>
+                <a:lnTo>
+                  <a:pt x="738868" y="0"/>
+                </a:lnTo>
+                <a:close/>
+              </a:path>
+            </a:pathLst>
+          </a:custGeom>
+          <a:noFill/>
+          <a:ln w="9525" cap="flat" cmpd="sng" algn="ctr">
+            <a:solidFill>
+              <a:schemeClr val="accent2"/>
+            </a:solidFill>
+            <a:prstDash val="dash"/>
+            <a:round/>
+            <a:headEnd type="none" w="med" len="med"/>
+            <a:tailEnd type="none" w="med" len="med"/>
+          </a:ln>
+        </p:spPr>
+        <p:style>
+          <a:lnRef idx="0">
+            <a:scrgbClr r="0" g="0" b="0"/>
+          </a:lnRef>
+          <a:fillRef idx="0">
+            <a:scrgbClr r="0" g="0" b="0"/>
+          </a:fillRef>
+          <a:effectRef idx="0">
+            <a:scrgbClr r="0" g="0" b="0"/>
+          </a:effectRef>
+          <a:fontRef idx="minor">
+            <a:schemeClr val="accent2"/>
+          </a:fontRef>
+        </p:style>
+        <p:txBody>
+          <a:bodyPr rtlCol="0" anchor="ctr"/>
+          <a:lstStyle/>
+          <a:p>
+            <a:pPr algn="ctr"/>
+            <a:endParaRPr lang="zh-CN" altLang="en-US"/>
+          </a:p>
+        </p:txBody>
+      </p:sp>
+      <p:sp>
+        <p:nvSpPr>
+          <p:cNvPr id="6" name="矩形 5">
+            <a:extLst>
+              <a:ext uri="{FF2B5EF4-FFF2-40B4-BE49-F238E27FC236}">
+                <a16:creationId xmlns:a16="http://schemas.microsoft.com/office/drawing/2014/main" id="{4D211FA5-2412-9145-5CEA-1085ADC05C6B}"/>
+              </a:ext>
+            </a:extLst>
+          </p:cNvPr>
+          <p:cNvSpPr/>
+          <p:nvPr/>
+        </p:nvSpPr>
+        <p:spPr>
+          <a:xfrm>
+            <a:off x="220436" y="176211"/>
+            <a:ext cx="3200400" cy="1898197"/>
+          </a:xfrm>
+          <a:prstGeom prst="rect">
+            <a:avLst/>
+          </a:prstGeom>
+          <a:solidFill>
+            <a:schemeClr val="accent5">
+              <a:alpha val="50000"/>
+            </a:schemeClr>
+          </a:solidFill>
+          <a:ln>
+            <a:noFill/>
+          </a:ln>
+        </p:spPr>
+        <p:style>
+          <a:lnRef idx="0">
+            <a:scrgbClr r="0" g="0" b="0"/>
+          </a:lnRef>
+          <a:fillRef idx="0">
+            <a:scrgbClr r="0" g="0" b="0"/>
+          </a:fillRef>
+          <a:effectRef idx="0">
+            <a:scrgbClr r="0" g="0" b="0"/>
+          </a:effectRef>
+          <a:fontRef idx="minor">
+            <a:schemeClr val="lt1"/>
+          </a:fontRef>
+        </p:style>
+        <p:txBody>
+          <a:bodyPr rtlCol="0" anchor="ctr"/>
+          <a:lstStyle/>
+          <a:p>
+            <a:pPr algn="ctr"/>
+            <a:endParaRPr lang="zh-CN" altLang="en-US"/>
+          </a:p>
+        </p:txBody>
+      </p:sp>
+      <p:sp>
+        <p:nvSpPr>
+          <p:cNvPr id="7" name="任意多边形: 形状 6">
+            <a:extLst>
+              <a:ext uri="{FF2B5EF4-FFF2-40B4-BE49-F238E27FC236}">
+                <a16:creationId xmlns:a16="http://schemas.microsoft.com/office/drawing/2014/main" id="{4FD604BD-1112-9A9C-B52D-2C703A080764}"/>
+              </a:ext>
+            </a:extLst>
+          </p:cNvPr>
+          <p:cNvSpPr/>
+          <p:nvPr/>
+        </p:nvSpPr>
+        <p:spPr>
+          <a:xfrm>
+            <a:off x="1710418" y="817108"/>
+            <a:ext cx="1677761" cy="1469571"/>
+          </a:xfrm>
+          <a:custGeom>
+            <a:avLst/>
+            <a:gdLst>
+              <a:gd name="connsiteX0" fmla="*/ 738868 w 1677761"/>
+              <a:gd name="connsiteY0" fmla="*/ 0 h 1469571"/>
+              <a:gd name="connsiteX1" fmla="*/ 0 w 1677761"/>
+              <a:gd name="connsiteY1" fmla="*/ 926646 h 1469571"/>
+              <a:gd name="connsiteX2" fmla="*/ 861333 w 1677761"/>
+              <a:gd name="connsiteY2" fmla="*/ 1469571 h 1469571"/>
+              <a:gd name="connsiteX3" fmla="*/ 1677761 w 1677761"/>
+              <a:gd name="connsiteY3" fmla="*/ 693964 h 1469571"/>
+              <a:gd name="connsiteX4" fmla="*/ 738868 w 1677761"/>
+              <a:gd name="connsiteY4" fmla="*/ 0 h 1469571"/>
+            </a:gdLst>
+            <a:ahLst/>
+            <a:cxnLst>
+              <a:cxn ang="0">
+                <a:pos x="connsiteX0" y="connsiteY0"/>
+              </a:cxn>
+              <a:cxn ang="0">
+                <a:pos x="connsiteX1" y="connsiteY1"/>
+              </a:cxn>
+              <a:cxn ang="0">
+                <a:pos x="connsiteX2" y="connsiteY2"/>
+              </a:cxn>
+              <a:cxn ang="0">
+                <a:pos x="connsiteX3" y="connsiteY3"/>
+              </a:cxn>
+              <a:cxn ang="0">
+                <a:pos x="connsiteX4" y="connsiteY4"/>
+              </a:cxn>
+            </a:cxnLst>
+            <a:rect l="l" t="t" r="r" b="b"/>
+            <a:pathLst>
+              <a:path w="1677761" h="1469571">
+                <a:moveTo>
+                  <a:pt x="738868" y="0"/>
+                </a:moveTo>
+                <a:lnTo>
+                  <a:pt x="0" y="926646"/>
+                </a:lnTo>
+                <a:lnTo>
+                  <a:pt x="861333" y="1469571"/>
+                </a:lnTo>
+                <a:lnTo>
+                  <a:pt x="1677761" y="693964"/>
+                </a:lnTo>
+                <a:lnTo>
+                  <a:pt x="738868" y="0"/>
+                </a:lnTo>
+                <a:close/>
+              </a:path>
+            </a:pathLst>
+          </a:custGeom>
+          <a:noFill/>
+          <a:ln w="9525" cap="flat" cmpd="sng" algn="ctr">
+            <a:solidFill>
+              <a:schemeClr val="accent2"/>
+            </a:solidFill>
+            <a:prstDash val="solid"/>
+            <a:round/>
+            <a:headEnd type="none" w="med" len="med"/>
+            <a:tailEnd type="none" w="med" len="med"/>
+          </a:ln>
+        </p:spPr>
+        <p:style>
+          <a:lnRef idx="0">
+            <a:scrgbClr r="0" g="0" b="0"/>
+          </a:lnRef>
+          <a:fillRef idx="0">
+            <a:scrgbClr r="0" g="0" b="0"/>
+          </a:fillRef>
+          <a:effectRef idx="0">
+            <a:scrgbClr r="0" g="0" b="0"/>
+          </a:effectRef>
+          <a:fontRef idx="minor">
+            <a:schemeClr val="accent2"/>
+          </a:fontRef>
+        </p:style>
+        <p:txBody>
+          <a:bodyPr rtlCol="0" anchor="ctr"/>
+          <a:lstStyle/>
+          <a:p>
+            <a:pPr algn="ctr"/>
+            <a:endParaRPr lang="zh-CN" altLang="en-US"/>
+          </a:p>
+        </p:txBody>
+      </p:sp>
+      <p:sp>
+        <p:nvSpPr>
+          <p:cNvPr id="8" name="矩形 7">
+            <a:extLst>
+              <a:ext uri="{FF2B5EF4-FFF2-40B4-BE49-F238E27FC236}">
+                <a16:creationId xmlns:a16="http://schemas.microsoft.com/office/drawing/2014/main" id="{6F0B93C1-AC38-0A10-92BE-79A49B375FB0}"/>
+              </a:ext>
+            </a:extLst>
+          </p:cNvPr>
+          <p:cNvSpPr/>
+          <p:nvPr/>
+        </p:nvSpPr>
+        <p:spPr>
+          <a:xfrm>
+            <a:off x="3887561" y="176211"/>
+            <a:ext cx="3200400" cy="1898197"/>
+          </a:xfrm>
+          <a:prstGeom prst="rect">
+            <a:avLst/>
+          </a:prstGeom>
+          <a:solidFill>
+            <a:schemeClr val="accent5">
+              <a:alpha val="50000"/>
+            </a:schemeClr>
+          </a:solidFill>
+          <a:ln>
+            <a:noFill/>
+          </a:ln>
+        </p:spPr>
+        <p:style>
+          <a:lnRef idx="0">
+            <a:scrgbClr r="0" g="0" b="0"/>
+          </a:lnRef>
+          <a:fillRef idx="0">
+            <a:scrgbClr r="0" g="0" b="0"/>
+          </a:fillRef>
+          <a:effectRef idx="0">
+            <a:scrgbClr r="0" g="0" b="0"/>
+          </a:effectRef>
+          <a:fontRef idx="minor">
+            <a:schemeClr val="lt1"/>
+          </a:fontRef>
+        </p:style>
+        <p:txBody>
+          <a:bodyPr rtlCol="0" anchor="ctr"/>
+          <a:lstStyle/>
+          <a:p>
+            <a:pPr algn="ctr"/>
+            <a:endParaRPr lang="zh-CN" altLang="en-US"/>
+          </a:p>
+        </p:txBody>
+      </p:sp>
+      <p:sp>
+        <p:nvSpPr>
+          <p:cNvPr id="9" name="任意多边形: 形状 8">
+            <a:extLst>
+              <a:ext uri="{FF2B5EF4-FFF2-40B4-BE49-F238E27FC236}">
+                <a16:creationId xmlns:a16="http://schemas.microsoft.com/office/drawing/2014/main" id="{A3434A03-0F26-906D-8ABF-9191F624A6F4}"/>
+              </a:ext>
+            </a:extLst>
+          </p:cNvPr>
+          <p:cNvSpPr/>
+          <p:nvPr/>
+        </p:nvSpPr>
+        <p:spPr>
+          <a:xfrm>
+            <a:off x="5377543" y="817108"/>
+            <a:ext cx="1677761" cy="1265464"/>
+          </a:xfrm>
+          <a:custGeom>
+            <a:avLst/>
+            <a:gdLst>
+              <a:gd name="connsiteX0" fmla="*/ 738868 w 1677761"/>
+              <a:gd name="connsiteY0" fmla="*/ 0 h 1469571"/>
+              <a:gd name="connsiteX1" fmla="*/ 0 w 1677761"/>
+              <a:gd name="connsiteY1" fmla="*/ 926646 h 1469571"/>
+              <a:gd name="connsiteX2" fmla="*/ 861333 w 1677761"/>
+              <a:gd name="connsiteY2" fmla="*/ 1469571 h 1469571"/>
+              <a:gd name="connsiteX3" fmla="*/ 1677761 w 1677761"/>
+              <a:gd name="connsiteY3" fmla="*/ 693964 h 1469571"/>
+              <a:gd name="connsiteX4" fmla="*/ 738868 w 1677761"/>
+              <a:gd name="connsiteY4" fmla="*/ 0 h 1469571"/>
+              <a:gd name="connsiteX0" fmla="*/ 738868 w 1677761"/>
+              <a:gd name="connsiteY0" fmla="*/ 0 h 1265464"/>
+              <a:gd name="connsiteX1" fmla="*/ 0 w 1677761"/>
+              <a:gd name="connsiteY1" fmla="*/ 926646 h 1265464"/>
+              <a:gd name="connsiteX2" fmla="*/ 857251 w 1677761"/>
+              <a:gd name="connsiteY2" fmla="*/ 1265464 h 1265464"/>
+              <a:gd name="connsiteX3" fmla="*/ 1677761 w 1677761"/>
+              <a:gd name="connsiteY3" fmla="*/ 693964 h 1265464"/>
+              <a:gd name="connsiteX4" fmla="*/ 738868 w 1677761"/>
+              <a:gd name="connsiteY4" fmla="*/ 0 h 1265464"/>
+            </a:gdLst>
+            <a:ahLst/>
+            <a:cxnLst>
+              <a:cxn ang="0">
+                <a:pos x="connsiteX0" y="connsiteY0"/>
+              </a:cxn>
+              <a:cxn ang="0">
+                <a:pos x="connsiteX1" y="connsiteY1"/>
+              </a:cxn>
+              <a:cxn ang="0">
+                <a:pos x="connsiteX2" y="connsiteY2"/>
+              </a:cxn>
+              <a:cxn ang="0">
+                <a:pos x="connsiteX3" y="connsiteY3"/>
+              </a:cxn>
+              <a:cxn ang="0">
+                <a:pos x="connsiteX4" y="connsiteY4"/>
+              </a:cxn>
+            </a:cxnLst>
+            <a:rect l="l" t="t" r="r" b="b"/>
+            <a:pathLst>
+              <a:path w="1677761" h="1265464">
+                <a:moveTo>
+                  <a:pt x="738868" y="0"/>
+                </a:moveTo>
+                <a:lnTo>
+                  <a:pt x="0" y="926646"/>
+                </a:lnTo>
+                <a:lnTo>
+                  <a:pt x="857251" y="1265464"/>
+                </a:lnTo>
+                <a:lnTo>
+                  <a:pt x="1677761" y="693964"/>
+                </a:lnTo>
+                <a:lnTo>
+                  <a:pt x="738868" y="0"/>
+                </a:lnTo>
+                <a:close/>
+              </a:path>
+            </a:pathLst>
+          </a:custGeom>
+          <a:noFill/>
+          <a:ln w="9525" cap="flat" cmpd="sng" algn="ctr">
+            <a:solidFill>
+              <a:schemeClr val="accent2"/>
+            </a:solidFill>
+            <a:prstDash val="solid"/>
+            <a:round/>
+            <a:headEnd type="none" w="med" len="med"/>
+            <a:tailEnd type="none" w="med" len="med"/>
+          </a:ln>
+        </p:spPr>
+        <p:style>
+          <a:lnRef idx="0">
+            <a:scrgbClr r="0" g="0" b="0"/>
+          </a:lnRef>
+          <a:fillRef idx="0">
+            <a:scrgbClr r="0" g="0" b="0"/>
+          </a:fillRef>
+          <a:effectRef idx="0">
+            <a:scrgbClr r="0" g="0" b="0"/>
+          </a:effectRef>
+          <a:fontRef idx="minor">
+            <a:schemeClr val="accent2"/>
+          </a:fontRef>
+        </p:style>
+        <p:txBody>
+          <a:bodyPr rtlCol="0" anchor="ctr"/>
+          <a:lstStyle/>
+          <a:p>
+            <a:pPr algn="ctr"/>
+            <a:endParaRPr lang="zh-CN" altLang="en-US"/>
+          </a:p>
+        </p:txBody>
+      </p:sp>
+      <p:sp>
+        <p:nvSpPr>
+          <p:cNvPr id="10" name="任意多边形: 形状 9">
+            <a:extLst>
+              <a:ext uri="{FF2B5EF4-FFF2-40B4-BE49-F238E27FC236}">
+                <a16:creationId xmlns:a16="http://schemas.microsoft.com/office/drawing/2014/main" id="{8F59A137-5E3C-79BC-B073-EDF976CB487F}"/>
+              </a:ext>
+            </a:extLst>
+          </p:cNvPr>
+          <p:cNvSpPr/>
+          <p:nvPr/>
+        </p:nvSpPr>
+        <p:spPr>
+          <a:xfrm>
+            <a:off x="8842603" y="825272"/>
+            <a:ext cx="1677761" cy="1469571"/>
+          </a:xfrm>
+          <a:custGeom>
+            <a:avLst/>
+            <a:gdLst>
+              <a:gd name="connsiteX0" fmla="*/ 738868 w 1677761"/>
+              <a:gd name="connsiteY0" fmla="*/ 0 h 1469571"/>
+              <a:gd name="connsiteX1" fmla="*/ 0 w 1677761"/>
+              <a:gd name="connsiteY1" fmla="*/ 926646 h 1469571"/>
+              <a:gd name="connsiteX2" fmla="*/ 861333 w 1677761"/>
+              <a:gd name="connsiteY2" fmla="*/ 1469571 h 1469571"/>
+              <a:gd name="connsiteX3" fmla="*/ 1677761 w 1677761"/>
+              <a:gd name="connsiteY3" fmla="*/ 693964 h 1469571"/>
+              <a:gd name="connsiteX4" fmla="*/ 738868 w 1677761"/>
+              <a:gd name="connsiteY4" fmla="*/ 0 h 1469571"/>
+            </a:gdLst>
+            <a:ahLst/>
+            <a:cxnLst>
+              <a:cxn ang="0">
+                <a:pos x="connsiteX0" y="connsiteY0"/>
+              </a:cxn>
+              <a:cxn ang="0">
+                <a:pos x="connsiteX1" y="connsiteY1"/>
+              </a:cxn>
+              <a:cxn ang="0">
+                <a:pos x="connsiteX2" y="connsiteY2"/>
+              </a:cxn>
+              <a:cxn ang="0">
+                <a:pos x="connsiteX3" y="connsiteY3"/>
+              </a:cxn>
+              <a:cxn ang="0">
+                <a:pos x="connsiteX4" y="connsiteY4"/>
+              </a:cxn>
+            </a:cxnLst>
+            <a:rect l="l" t="t" r="r" b="b"/>
+            <a:pathLst>
+              <a:path w="1677761" h="1469571">
+                <a:moveTo>
+                  <a:pt x="738868" y="0"/>
+                </a:moveTo>
+                <a:lnTo>
+                  <a:pt x="0" y="926646"/>
+                </a:lnTo>
+                <a:lnTo>
+                  <a:pt x="861333" y="1469571"/>
+                </a:lnTo>
+                <a:lnTo>
+                  <a:pt x="1677761" y="693964"/>
+                </a:lnTo>
+                <a:lnTo>
+                  <a:pt x="738868" y="0"/>
+                </a:lnTo>
+                <a:close/>
+              </a:path>
+            </a:pathLst>
+          </a:custGeom>
+          <a:noFill/>
+          <a:ln w="9525" cap="flat" cmpd="sng" algn="ctr">
+            <a:solidFill>
+              <a:schemeClr val="accent2"/>
+            </a:solidFill>
+            <a:prstDash val="lgDash"/>
+            <a:round/>
+            <a:headEnd type="none" w="med" len="med"/>
+            <a:tailEnd type="none" w="med" len="med"/>
+          </a:ln>
+        </p:spPr>
+        <p:style>
+          <a:lnRef idx="0">
+            <a:scrgbClr r="0" g="0" b="0"/>
+          </a:lnRef>
+          <a:fillRef idx="0">
+            <a:scrgbClr r="0" g="0" b="0"/>
+          </a:fillRef>
+          <a:effectRef idx="0">
+            <a:scrgbClr r="0" g="0" b="0"/>
+          </a:effectRef>
+          <a:fontRef idx="minor">
+            <a:schemeClr val="accent2"/>
+          </a:fontRef>
+        </p:style>
+        <p:txBody>
+          <a:bodyPr rtlCol="0" anchor="ctr"/>
+          <a:lstStyle/>
+          <a:p>
+            <a:pPr algn="ctr"/>
+            <a:endParaRPr lang="zh-CN" altLang="en-US"/>
+          </a:p>
+        </p:txBody>
+      </p:sp>
+      <p:sp>
+        <p:nvSpPr>
+          <p:cNvPr id="11" name="椭圆 10">
+            <a:extLst>
+              <a:ext uri="{FF2B5EF4-FFF2-40B4-BE49-F238E27FC236}">
+                <a16:creationId xmlns:a16="http://schemas.microsoft.com/office/drawing/2014/main" id="{50C3A084-5C05-0FD0-E1A4-E155E28052DC}"/>
+              </a:ext>
+            </a:extLst>
+          </p:cNvPr>
+          <p:cNvSpPr/>
+          <p:nvPr/>
+        </p:nvSpPr>
+        <p:spPr>
+          <a:xfrm>
+            <a:off x="2388054" y="768122"/>
+            <a:ext cx="97972" cy="97972"/>
+          </a:xfrm>
+          <a:prstGeom prst="ellipse">
+            <a:avLst/>
+          </a:prstGeom>
+        </p:spPr>
+        <p:style>
+          <a:lnRef idx="2">
+            <a:schemeClr val="accent2">
+              <a:shade val="50000"/>
+            </a:schemeClr>
+          </a:lnRef>
+          <a:fillRef idx="1">
+            <a:schemeClr val="accent2"/>
+          </a:fillRef>
+          <a:effectRef idx="0">
+            <a:schemeClr val="accent2"/>
+          </a:effectRef>
+          <a:fontRef idx="minor">
+            <a:schemeClr val="lt1"/>
+          </a:fontRef>
+        </p:style>
+        <p:txBody>
+          <a:bodyPr rtlCol="0" anchor="ctr"/>
+          <a:lstStyle/>
+          <a:p>
+            <a:pPr algn="ctr"/>
+            <a:endParaRPr lang="zh-CN" altLang="en-US"/>
+          </a:p>
+        </p:txBody>
+      </p:sp>
+      <p:sp>
+        <p:nvSpPr>
+          <p:cNvPr id="12" name="椭圆 11">
+            <a:extLst>
+              <a:ext uri="{FF2B5EF4-FFF2-40B4-BE49-F238E27FC236}">
+                <a16:creationId xmlns:a16="http://schemas.microsoft.com/office/drawing/2014/main" id="{2C199667-11DC-37E1-4805-9234408CEFCA}"/>
+              </a:ext>
+            </a:extLst>
+          </p:cNvPr>
+          <p:cNvSpPr/>
+          <p:nvPr/>
+        </p:nvSpPr>
+        <p:spPr>
+          <a:xfrm>
+            <a:off x="1661432" y="1692047"/>
+            <a:ext cx="97972" cy="97972"/>
+          </a:xfrm>
+          <a:prstGeom prst="ellipse">
+            <a:avLst/>
+          </a:prstGeom>
+        </p:spPr>
+        <p:style>
+          <a:lnRef idx="2">
+            <a:schemeClr val="accent2">
+              <a:shade val="50000"/>
+            </a:schemeClr>
+          </a:lnRef>
+          <a:fillRef idx="1">
+            <a:schemeClr val="accent2"/>
+          </a:fillRef>
+          <a:effectRef idx="0">
+            <a:schemeClr val="accent2"/>
+          </a:effectRef>
+          <a:fontRef idx="minor">
+            <a:schemeClr val="lt1"/>
+          </a:fontRef>
+        </p:style>
+        <p:txBody>
+          <a:bodyPr rtlCol="0" anchor="ctr"/>
+          <a:lstStyle/>
+          <a:p>
+            <a:pPr algn="ctr"/>
+            <a:endParaRPr lang="zh-CN" altLang="en-US"/>
+          </a:p>
+        </p:txBody>
+      </p:sp>
+      <p:sp>
+        <p:nvSpPr>
+          <p:cNvPr id="13" name="椭圆 12">
+            <a:extLst>
+              <a:ext uri="{FF2B5EF4-FFF2-40B4-BE49-F238E27FC236}">
+                <a16:creationId xmlns:a16="http://schemas.microsoft.com/office/drawing/2014/main" id="{99759670-FF99-8DA6-3E06-F83B4F0EDD8C}"/>
+              </a:ext>
+            </a:extLst>
+          </p:cNvPr>
+          <p:cNvSpPr/>
+          <p:nvPr/>
+        </p:nvSpPr>
+        <p:spPr>
+          <a:xfrm>
+            <a:off x="3322864" y="1453921"/>
+            <a:ext cx="97972" cy="97972"/>
+          </a:xfrm>
+          <a:prstGeom prst="ellipse">
+            <a:avLst/>
+          </a:prstGeom>
+        </p:spPr>
+        <p:style>
+          <a:lnRef idx="2">
+            <a:schemeClr val="accent2">
+              <a:shade val="50000"/>
+            </a:schemeClr>
+          </a:lnRef>
+          <a:fillRef idx="1">
+            <a:schemeClr val="accent2"/>
+          </a:fillRef>
+          <a:effectRef idx="0">
+            <a:schemeClr val="accent2"/>
+          </a:effectRef>
+          <a:fontRef idx="minor">
+            <a:schemeClr val="lt1"/>
+          </a:fontRef>
+        </p:style>
+        <p:txBody>
+          <a:bodyPr rtlCol="0" anchor="ctr"/>
+          <a:lstStyle/>
+          <a:p>
+            <a:pPr algn="ctr"/>
+            <a:endParaRPr lang="zh-CN" altLang="en-US"/>
+          </a:p>
+        </p:txBody>
+      </p:sp>
+      <p:sp>
+        <p:nvSpPr>
+          <p:cNvPr id="14" name="椭圆 13">
+            <a:extLst>
+              <a:ext uri="{FF2B5EF4-FFF2-40B4-BE49-F238E27FC236}">
+                <a16:creationId xmlns:a16="http://schemas.microsoft.com/office/drawing/2014/main" id="{5B54177D-97ED-089A-7B41-E5B9EA74B7AC}"/>
+              </a:ext>
+            </a:extLst>
+          </p:cNvPr>
+          <p:cNvSpPr/>
+          <p:nvPr/>
+        </p:nvSpPr>
+        <p:spPr>
+          <a:xfrm>
+            <a:off x="2500312" y="2237693"/>
+            <a:ext cx="97972" cy="97972"/>
+          </a:xfrm>
+          <a:prstGeom prst="ellipse">
+            <a:avLst/>
+          </a:prstGeom>
+        </p:spPr>
+        <p:style>
+          <a:lnRef idx="2">
+            <a:schemeClr val="accent2">
+              <a:shade val="50000"/>
+            </a:schemeClr>
+          </a:lnRef>
+          <a:fillRef idx="1">
+            <a:schemeClr val="accent2"/>
+          </a:fillRef>
+          <a:effectRef idx="0">
+            <a:schemeClr val="accent2"/>
+          </a:effectRef>
+          <a:fontRef idx="minor">
+            <a:schemeClr val="lt1"/>
+          </a:fontRef>
+        </p:style>
+        <p:txBody>
+          <a:bodyPr rtlCol="0" anchor="ctr"/>
+          <a:lstStyle/>
+          <a:p>
+            <a:pPr algn="ctr"/>
+            <a:endParaRPr lang="zh-CN" altLang="en-US"/>
+          </a:p>
+        </p:txBody>
+      </p:sp>
+      <p:sp>
+        <p:nvSpPr>
+          <p:cNvPr id="15" name="椭圆 14">
+            <a:extLst>
+              <a:ext uri="{FF2B5EF4-FFF2-40B4-BE49-F238E27FC236}">
+                <a16:creationId xmlns:a16="http://schemas.microsoft.com/office/drawing/2014/main" id="{60AB8E5A-6FF3-4C04-826E-79FDD209523C}"/>
+              </a:ext>
+            </a:extLst>
+          </p:cNvPr>
+          <p:cNvSpPr/>
+          <p:nvPr/>
+        </p:nvSpPr>
+        <p:spPr>
+          <a:xfrm>
+            <a:off x="6063343" y="768122"/>
+            <a:ext cx="97972" cy="97972"/>
+          </a:xfrm>
+          <a:prstGeom prst="ellipse">
+            <a:avLst/>
+          </a:prstGeom>
+        </p:spPr>
+        <p:style>
+          <a:lnRef idx="2">
+            <a:schemeClr val="accent2">
+              <a:shade val="50000"/>
+            </a:schemeClr>
+          </a:lnRef>
+          <a:fillRef idx="1">
+            <a:schemeClr val="accent2"/>
+          </a:fillRef>
+          <a:effectRef idx="0">
+            <a:schemeClr val="accent2"/>
+          </a:effectRef>
+          <a:fontRef idx="minor">
+            <a:schemeClr val="lt1"/>
+          </a:fontRef>
+        </p:style>
+        <p:txBody>
+          <a:bodyPr rtlCol="0" anchor="ctr"/>
+          <a:lstStyle/>
+          <a:p>
+            <a:pPr algn="ctr"/>
+            <a:endParaRPr lang="zh-CN" altLang="en-US"/>
+          </a:p>
+        </p:txBody>
+      </p:sp>
+      <p:sp>
+        <p:nvSpPr>
+          <p:cNvPr id="16" name="椭圆 15">
+            <a:extLst>
+              <a:ext uri="{FF2B5EF4-FFF2-40B4-BE49-F238E27FC236}">
+                <a16:creationId xmlns:a16="http://schemas.microsoft.com/office/drawing/2014/main" id="{A7C2B2A8-F1B2-82D2-BCFD-C23598269AEF}"/>
+              </a:ext>
+            </a:extLst>
+          </p:cNvPr>
+          <p:cNvSpPr/>
+          <p:nvPr/>
+        </p:nvSpPr>
+        <p:spPr>
+          <a:xfrm>
+            <a:off x="5344886" y="1692047"/>
+            <a:ext cx="97972" cy="97972"/>
+          </a:xfrm>
+          <a:prstGeom prst="ellipse">
+            <a:avLst/>
+          </a:prstGeom>
+        </p:spPr>
+        <p:style>
+          <a:lnRef idx="2">
+            <a:schemeClr val="accent2">
+              <a:shade val="50000"/>
+            </a:schemeClr>
+          </a:lnRef>
+          <a:fillRef idx="1">
+            <a:schemeClr val="accent2"/>
+          </a:fillRef>
+          <a:effectRef idx="0">
+            <a:schemeClr val="accent2"/>
+          </a:effectRef>
+          <a:fontRef idx="minor">
+            <a:schemeClr val="lt1"/>
+          </a:fontRef>
+        </p:style>
+        <p:txBody>
+          <a:bodyPr rtlCol="0" anchor="ctr"/>
+          <a:lstStyle/>
+          <a:p>
+            <a:pPr algn="ctr"/>
+            <a:endParaRPr lang="zh-CN" altLang="en-US"/>
+          </a:p>
+        </p:txBody>
+      </p:sp>
+      <p:sp>
+        <p:nvSpPr>
+          <p:cNvPr id="17" name="椭圆 16">
+            <a:extLst>
+              <a:ext uri="{FF2B5EF4-FFF2-40B4-BE49-F238E27FC236}">
+                <a16:creationId xmlns:a16="http://schemas.microsoft.com/office/drawing/2014/main" id="{B8677365-EAA9-3879-3131-2A16A1AE7D3A}"/>
+              </a:ext>
+            </a:extLst>
+          </p:cNvPr>
+          <p:cNvSpPr/>
+          <p:nvPr/>
+        </p:nvSpPr>
+        <p:spPr>
+          <a:xfrm>
+            <a:off x="6179684" y="2033586"/>
+            <a:ext cx="97972" cy="97972"/>
+          </a:xfrm>
+          <a:prstGeom prst="ellipse">
+            <a:avLst/>
+          </a:prstGeom>
+        </p:spPr>
+        <p:style>
+          <a:lnRef idx="2">
+            <a:schemeClr val="accent2">
+              <a:shade val="50000"/>
+            </a:schemeClr>
+          </a:lnRef>
+          <a:fillRef idx="1">
+            <a:schemeClr val="accent2"/>
+          </a:fillRef>
+          <a:effectRef idx="0">
+            <a:schemeClr val="accent2"/>
+          </a:effectRef>
+          <a:fontRef idx="minor">
+            <a:schemeClr val="lt1"/>
+          </a:fontRef>
+        </p:style>
+        <p:txBody>
+          <a:bodyPr rtlCol="0" anchor="ctr"/>
+          <a:lstStyle/>
+          <a:p>
+            <a:pPr algn="ctr"/>
+            <a:endParaRPr lang="zh-CN" altLang="en-US"/>
+          </a:p>
+        </p:txBody>
+      </p:sp>
+      <p:sp>
+        <p:nvSpPr>
+          <p:cNvPr id="18" name="椭圆 17">
+            <a:extLst>
+              <a:ext uri="{FF2B5EF4-FFF2-40B4-BE49-F238E27FC236}">
+                <a16:creationId xmlns:a16="http://schemas.microsoft.com/office/drawing/2014/main" id="{5285EA65-FCDF-63C0-9287-E4D0E5D472AA}"/>
+              </a:ext>
+            </a:extLst>
+          </p:cNvPr>
+          <p:cNvSpPr/>
+          <p:nvPr/>
+        </p:nvSpPr>
+        <p:spPr>
+          <a:xfrm>
+            <a:off x="6996112" y="1449840"/>
+            <a:ext cx="97972" cy="97972"/>
+          </a:xfrm>
+          <a:prstGeom prst="ellipse">
+            <a:avLst/>
+          </a:prstGeom>
+        </p:spPr>
+        <p:style>
+          <a:lnRef idx="2">
+            <a:schemeClr val="accent2">
+              <a:shade val="50000"/>
+            </a:schemeClr>
+          </a:lnRef>
+          <a:fillRef idx="1">
+            <a:schemeClr val="accent2"/>
+          </a:fillRef>
+          <a:effectRef idx="0">
+            <a:schemeClr val="accent2"/>
+          </a:effectRef>
+          <a:fontRef idx="minor">
+            <a:schemeClr val="lt1"/>
+          </a:fontRef>
+        </p:style>
+        <p:txBody>
+          <a:bodyPr rtlCol="0" anchor="ctr"/>
+          <a:lstStyle/>
+          <a:p>
+            <a:pPr algn="ctr"/>
+            <a:endParaRPr lang="zh-CN" altLang="en-US"/>
+          </a:p>
+        </p:txBody>
+      </p:sp>
+      <p:sp>
+        <p:nvSpPr>
+          <p:cNvPr id="19" name="椭圆 18">
+            <a:extLst>
+              <a:ext uri="{FF2B5EF4-FFF2-40B4-BE49-F238E27FC236}">
+                <a16:creationId xmlns:a16="http://schemas.microsoft.com/office/drawing/2014/main" id="{E6211923-96C0-091C-51FD-81E372416B49}"/>
+              </a:ext>
+            </a:extLst>
+          </p:cNvPr>
+          <p:cNvSpPr/>
+          <p:nvPr/>
+        </p:nvSpPr>
+        <p:spPr>
+          <a:xfrm>
+            <a:off x="6179684" y="2237693"/>
+            <a:ext cx="97972" cy="97972"/>
+          </a:xfrm>
+          <a:prstGeom prst="ellipse">
+            <a:avLst/>
+          </a:prstGeom>
+          <a:solidFill>
+            <a:schemeClr val="accent2">
+              <a:alpha val="50000"/>
+            </a:schemeClr>
+          </a:solidFill>
+          <a:ln>
+            <a:noFill/>
+          </a:ln>
+        </p:spPr>
+        <p:style>
+          <a:lnRef idx="0">
+            <a:scrgbClr r="0" g="0" b="0"/>
+          </a:lnRef>
+          <a:fillRef idx="0">
+            <a:scrgbClr r="0" g="0" b="0"/>
+          </a:fillRef>
+          <a:effectRef idx="0">
+            <a:scrgbClr r="0" g="0" b="0"/>
+          </a:effectRef>
+          <a:fontRef idx="minor">
+            <a:schemeClr val="lt1"/>
+          </a:fontRef>
+        </p:style>
+        <p:txBody>
+          <a:bodyPr rtlCol="0" anchor="ctr"/>
+          <a:lstStyle/>
+          <a:p>
+            <a:pPr algn="ctr"/>
+            <a:endParaRPr lang="zh-CN" altLang="en-US"/>
+          </a:p>
+        </p:txBody>
+      </p:sp>
+      <p:cxnSp>
+        <p:nvCxnSpPr>
+          <p:cNvPr id="20" name="直接箭头连接符 19">
+            <a:extLst>
+              <a:ext uri="{FF2B5EF4-FFF2-40B4-BE49-F238E27FC236}">
+                <a16:creationId xmlns:a16="http://schemas.microsoft.com/office/drawing/2014/main" id="{FF28B8BE-F47A-B078-29AA-84F16F7E5C1C}"/>
+              </a:ext>
+            </a:extLst>
+          </p:cNvPr>
+          <p:cNvCxnSpPr>
+            <a:stCxn id="19" idx="0"/>
+            <a:endCxn id="17" idx="4"/>
+          </p:cNvCxnSpPr>
+          <p:nvPr/>
+        </p:nvCxnSpPr>
+        <p:spPr>
+          <a:xfrm flipV="1">
+            <a:off x="6228670" y="2131558"/>
+            <a:ext cx="0" cy="106135"/>
+          </a:xfrm>
+          <a:prstGeom prst="straightConnector1">
+            <a:avLst/>
+          </a:prstGeom>
+          <a:ln>
+            <a:tailEnd type="triangle"/>
+          </a:ln>
+        </p:spPr>
+        <p:style>
+          <a:lnRef idx="1">
+            <a:schemeClr val="accent2"/>
+          </a:lnRef>
+          <a:fillRef idx="0">
+            <a:schemeClr val="accent2"/>
+          </a:fillRef>
+          <a:effectRef idx="0">
+            <a:schemeClr val="accent2"/>
+          </a:effectRef>
+          <a:fontRef idx="minor">
+            <a:schemeClr val="tx1"/>
+          </a:fontRef>
+        </p:style>
+      </p:cxnSp>
+      <p:sp>
+        <p:nvSpPr>
+          <p:cNvPr id="21" name="任意多边形: 形状 20">
+            <a:extLst>
+              <a:ext uri="{FF2B5EF4-FFF2-40B4-BE49-F238E27FC236}">
+                <a16:creationId xmlns:a16="http://schemas.microsoft.com/office/drawing/2014/main" id="{E6ECBB57-A0BB-4517-E325-02AAD8F973D7}"/>
+              </a:ext>
+            </a:extLst>
+          </p:cNvPr>
+          <p:cNvSpPr/>
+          <p:nvPr/>
+        </p:nvSpPr>
+        <p:spPr>
+          <a:xfrm>
+            <a:off x="8842603" y="825272"/>
+            <a:ext cx="1677761" cy="1257300"/>
+          </a:xfrm>
+          <a:custGeom>
+            <a:avLst/>
+            <a:gdLst>
+              <a:gd name="connsiteX0" fmla="*/ 738868 w 1677761"/>
+              <a:gd name="connsiteY0" fmla="*/ 0 h 1257300"/>
+              <a:gd name="connsiteX1" fmla="*/ 1677761 w 1677761"/>
+              <a:gd name="connsiteY1" fmla="*/ 693964 h 1257300"/>
+              <a:gd name="connsiteX2" fmla="*/ 1084776 w 1677761"/>
+              <a:gd name="connsiteY2" fmla="*/ 1257300 h 1257300"/>
+              <a:gd name="connsiteX3" fmla="*/ 524572 w 1677761"/>
+              <a:gd name="connsiteY3" fmla="*/ 1257300 h 1257300"/>
+              <a:gd name="connsiteX4" fmla="*/ 0 w 1677761"/>
+              <a:gd name="connsiteY4" fmla="*/ 926646 h 1257300"/>
+              <a:gd name="connsiteX5" fmla="*/ 738868 w 1677761"/>
+              <a:gd name="connsiteY5" fmla="*/ 0 h 1257300"/>
+            </a:gdLst>
+            <a:ahLst/>
+            <a:cxnLst>
+              <a:cxn ang="0">
+                <a:pos x="connsiteX0" y="connsiteY0"/>
+              </a:cxn>
+              <a:cxn ang="0">
+                <a:pos x="connsiteX1" y="connsiteY1"/>
+              </a:cxn>
+              <a:cxn ang="0">
+                <a:pos x="connsiteX2" y="connsiteY2"/>
+              </a:cxn>
+              <a:cxn ang="0">
+                <a:pos x="connsiteX3" y="connsiteY3"/>
+              </a:cxn>
+              <a:cxn ang="0">
+                <a:pos x="connsiteX4" y="connsiteY4"/>
+              </a:cxn>
+              <a:cxn ang="0">
+                <a:pos x="connsiteX5" y="connsiteY5"/>
+              </a:cxn>
+            </a:cxnLst>
+            <a:rect l="l" t="t" r="r" b="b"/>
+            <a:pathLst>
+              <a:path w="1677761" h="1257300">
+                <a:moveTo>
+                  <a:pt x="738868" y="0"/>
+                </a:moveTo>
+                <a:lnTo>
+                  <a:pt x="1677761" y="693964"/>
+                </a:lnTo>
+                <a:lnTo>
+                  <a:pt x="1084776" y="1257300"/>
+                </a:lnTo>
+                <a:lnTo>
+                  <a:pt x="524572" y="1257300"/>
+                </a:lnTo>
+                <a:lnTo>
+                  <a:pt x="0" y="926646"/>
+                </a:lnTo>
+                <a:lnTo>
+                  <a:pt x="738868" y="0"/>
+                </a:lnTo>
+                <a:close/>
+              </a:path>
+            </a:pathLst>
+          </a:custGeom>
+          <a:noFill/>
+          <a:ln w="9525" cap="flat" cmpd="sng" algn="ctr">
+            <a:solidFill>
+              <a:schemeClr val="accent2"/>
+            </a:solidFill>
+            <a:prstDash val="solid"/>
+            <a:round/>
+            <a:headEnd type="none" w="med" len="med"/>
+            <a:tailEnd type="none" w="med" len="med"/>
+          </a:ln>
+        </p:spPr>
+        <p:style>
+          <a:lnRef idx="0">
+            <a:scrgbClr r="0" g="0" b="0"/>
+          </a:lnRef>
+          <a:fillRef idx="0">
+            <a:scrgbClr r="0" g="0" b="0"/>
+          </a:fillRef>
+          <a:effectRef idx="0">
+            <a:scrgbClr r="0" g="0" b="0"/>
+          </a:effectRef>
+          <a:fontRef idx="minor">
+            <a:schemeClr val="accent2"/>
+          </a:fontRef>
+        </p:style>
+        <p:txBody>
+          <a:bodyPr wrap="square" rtlCol="0" anchor="ctr">
+            <a:noAutofit/>
+          </a:bodyPr>
+          <a:lstStyle/>
+          <a:p>
+            <a:pPr algn="ctr"/>
+            <a:endParaRPr lang="zh-CN" altLang="en-US"/>
+          </a:p>
+        </p:txBody>
+      </p:sp>
+      <p:sp>
+        <p:nvSpPr>
+          <p:cNvPr id="22" name="椭圆 21">
+            <a:extLst>
+              <a:ext uri="{FF2B5EF4-FFF2-40B4-BE49-F238E27FC236}">
+                <a16:creationId xmlns:a16="http://schemas.microsoft.com/office/drawing/2014/main" id="{00574155-F28F-1E23-BDE1-F7E2B377D148}"/>
+              </a:ext>
+            </a:extLst>
+          </p:cNvPr>
+          <p:cNvSpPr/>
+          <p:nvPr/>
+        </p:nvSpPr>
+        <p:spPr>
+          <a:xfrm>
+            <a:off x="9520239" y="776286"/>
+            <a:ext cx="97972" cy="97972"/>
+          </a:xfrm>
+          <a:prstGeom prst="ellipse">
+            <a:avLst/>
+          </a:prstGeom>
+        </p:spPr>
+        <p:style>
+          <a:lnRef idx="2">
+            <a:schemeClr val="accent2">
+              <a:shade val="50000"/>
+            </a:schemeClr>
+          </a:lnRef>
+          <a:fillRef idx="1">
+            <a:schemeClr val="accent2"/>
+          </a:fillRef>
+          <a:effectRef idx="0">
+            <a:schemeClr val="accent2"/>
+          </a:effectRef>
+          <a:fontRef idx="minor">
+            <a:schemeClr val="lt1"/>
+          </a:fontRef>
+        </p:style>
+        <p:txBody>
+          <a:bodyPr rtlCol="0" anchor="ctr"/>
+          <a:lstStyle/>
+          <a:p>
+            <a:pPr algn="ctr"/>
+            <a:endParaRPr lang="zh-CN" altLang="en-US"/>
+          </a:p>
+        </p:txBody>
+      </p:sp>
+      <p:sp>
+        <p:nvSpPr>
+          <p:cNvPr id="23" name="椭圆 22">
+            <a:extLst>
+              <a:ext uri="{FF2B5EF4-FFF2-40B4-BE49-F238E27FC236}">
+                <a16:creationId xmlns:a16="http://schemas.microsoft.com/office/drawing/2014/main" id="{F7725621-E1B9-452F-EB15-ECCA67392757}"/>
+              </a:ext>
+            </a:extLst>
+          </p:cNvPr>
+          <p:cNvSpPr/>
+          <p:nvPr/>
+        </p:nvSpPr>
+        <p:spPr>
+          <a:xfrm>
+            <a:off x="8799740" y="1719260"/>
+            <a:ext cx="97972" cy="97972"/>
+          </a:xfrm>
+          <a:prstGeom prst="ellipse">
+            <a:avLst/>
+          </a:prstGeom>
+        </p:spPr>
+        <p:style>
+          <a:lnRef idx="2">
+            <a:schemeClr val="accent2">
+              <a:shade val="50000"/>
+            </a:schemeClr>
+          </a:lnRef>
+          <a:fillRef idx="1">
+            <a:schemeClr val="accent2"/>
+          </a:fillRef>
+          <a:effectRef idx="0">
+            <a:schemeClr val="accent2"/>
+          </a:effectRef>
+          <a:fontRef idx="minor">
+            <a:schemeClr val="lt1"/>
+          </a:fontRef>
+        </p:style>
+        <p:txBody>
+          <a:bodyPr rtlCol="0" anchor="ctr"/>
+          <a:lstStyle/>
+          <a:p>
+            <a:pPr algn="ctr"/>
+            <a:endParaRPr lang="zh-CN" altLang="en-US"/>
+          </a:p>
+        </p:txBody>
+      </p:sp>
+      <p:sp>
+        <p:nvSpPr>
+          <p:cNvPr id="24" name="椭圆 23">
+            <a:extLst>
+              <a:ext uri="{FF2B5EF4-FFF2-40B4-BE49-F238E27FC236}">
+                <a16:creationId xmlns:a16="http://schemas.microsoft.com/office/drawing/2014/main" id="{8C570861-A6A8-4321-21C6-F91EEE9E6DC7}"/>
+              </a:ext>
+            </a:extLst>
+          </p:cNvPr>
+          <p:cNvSpPr/>
+          <p:nvPr/>
+        </p:nvSpPr>
+        <p:spPr>
+          <a:xfrm>
+            <a:off x="10455048" y="1462085"/>
+            <a:ext cx="97972" cy="97972"/>
+          </a:xfrm>
+          <a:prstGeom prst="ellipse">
+            <a:avLst/>
+          </a:prstGeom>
+        </p:spPr>
+        <p:style>
+          <a:lnRef idx="2">
+            <a:schemeClr val="accent2">
+              <a:shade val="50000"/>
+            </a:schemeClr>
+          </a:lnRef>
+          <a:fillRef idx="1">
+            <a:schemeClr val="accent2"/>
+          </a:fillRef>
+          <a:effectRef idx="0">
+            <a:schemeClr val="accent2"/>
+          </a:effectRef>
+          <a:fontRef idx="minor">
+            <a:schemeClr val="lt1"/>
+          </a:fontRef>
+        </p:style>
+        <p:txBody>
+          <a:bodyPr rtlCol="0" anchor="ctr"/>
+          <a:lstStyle/>
+          <a:p>
+            <a:pPr algn="ctr"/>
+            <a:endParaRPr lang="zh-CN" altLang="en-US"/>
+          </a:p>
+        </p:txBody>
+      </p:sp>
+      <p:sp>
+        <p:nvSpPr>
+          <p:cNvPr id="25" name="椭圆 24">
+            <a:extLst>
+              <a:ext uri="{FF2B5EF4-FFF2-40B4-BE49-F238E27FC236}">
+                <a16:creationId xmlns:a16="http://schemas.microsoft.com/office/drawing/2014/main" id="{BA8F6133-8270-F9B2-DF9C-59C3BBFDCEFA}"/>
+              </a:ext>
+            </a:extLst>
+          </p:cNvPr>
+          <p:cNvSpPr/>
+          <p:nvPr/>
+        </p:nvSpPr>
+        <p:spPr>
+          <a:xfrm>
+            <a:off x="9309328" y="2024061"/>
+            <a:ext cx="97972" cy="97972"/>
+          </a:xfrm>
+          <a:prstGeom prst="ellipse">
+            <a:avLst/>
+          </a:prstGeom>
+        </p:spPr>
+        <p:style>
+          <a:lnRef idx="2">
+            <a:schemeClr val="accent2">
+              <a:shade val="50000"/>
+            </a:schemeClr>
+          </a:lnRef>
+          <a:fillRef idx="1">
+            <a:schemeClr val="accent2"/>
+          </a:fillRef>
+          <a:effectRef idx="0">
+            <a:schemeClr val="accent2"/>
+          </a:effectRef>
+          <a:fontRef idx="minor">
+            <a:schemeClr val="lt1"/>
+          </a:fontRef>
+        </p:style>
+        <p:txBody>
+          <a:bodyPr rtlCol="0" anchor="ctr"/>
+          <a:lstStyle/>
+          <a:p>
+            <a:pPr algn="ctr"/>
+            <a:endParaRPr lang="zh-CN" altLang="en-US"/>
+          </a:p>
+        </p:txBody>
+      </p:sp>
+      <p:sp>
+        <p:nvSpPr>
+          <p:cNvPr id="26" name="椭圆 25">
+            <a:extLst>
+              <a:ext uri="{FF2B5EF4-FFF2-40B4-BE49-F238E27FC236}">
+                <a16:creationId xmlns:a16="http://schemas.microsoft.com/office/drawing/2014/main" id="{DFB6A537-2C24-167E-7725-998593CF0FAE}"/>
+              </a:ext>
+            </a:extLst>
+          </p:cNvPr>
+          <p:cNvSpPr/>
+          <p:nvPr/>
+        </p:nvSpPr>
+        <p:spPr>
+          <a:xfrm>
+            <a:off x="9874025" y="2033586"/>
+            <a:ext cx="97972" cy="97972"/>
+          </a:xfrm>
+          <a:prstGeom prst="ellipse">
+            <a:avLst/>
+          </a:prstGeom>
+        </p:spPr>
+        <p:style>
+          <a:lnRef idx="2">
+            <a:schemeClr val="accent2">
+              <a:shade val="50000"/>
+            </a:schemeClr>
+          </a:lnRef>
+          <a:fillRef idx="1">
+            <a:schemeClr val="accent2"/>
+          </a:fillRef>
+          <a:effectRef idx="0">
+            <a:schemeClr val="accent2"/>
+          </a:effectRef>
+          <a:fontRef idx="minor">
+            <a:schemeClr val="lt1"/>
+          </a:fontRef>
+        </p:style>
+        <p:txBody>
+          <a:bodyPr rtlCol="0" anchor="ctr"/>
+          <a:lstStyle/>
+          <a:p>
+            <a:pPr algn="ctr"/>
+            <a:endParaRPr lang="zh-CN" altLang="en-US"/>
+          </a:p>
+        </p:txBody>
+      </p:sp>
+      <p:sp>
+        <p:nvSpPr>
+          <p:cNvPr id="27" name="椭圆 26">
+            <a:extLst>
+              <a:ext uri="{FF2B5EF4-FFF2-40B4-BE49-F238E27FC236}">
+                <a16:creationId xmlns:a16="http://schemas.microsoft.com/office/drawing/2014/main" id="{A7272280-5E15-AA2F-48CC-99EE9EF5C539}"/>
+              </a:ext>
+            </a:extLst>
+          </p:cNvPr>
+          <p:cNvSpPr/>
+          <p:nvPr/>
+        </p:nvSpPr>
+        <p:spPr>
+          <a:xfrm>
+            <a:off x="9632497" y="2254020"/>
+            <a:ext cx="97972" cy="97972"/>
+          </a:xfrm>
+          <a:prstGeom prst="ellipse">
+            <a:avLst/>
+          </a:prstGeom>
+          <a:solidFill>
+            <a:schemeClr val="accent2">
+              <a:alpha val="50000"/>
+            </a:schemeClr>
+          </a:solidFill>
+          <a:ln>
+            <a:noFill/>
+          </a:ln>
+        </p:spPr>
+        <p:style>
+          <a:lnRef idx="0">
+            <a:scrgbClr r="0" g="0" b="0"/>
+          </a:lnRef>
+          <a:fillRef idx="0">
+            <a:scrgbClr r="0" g="0" b="0"/>
+          </a:fillRef>
+          <a:effectRef idx="0">
+            <a:scrgbClr r="0" g="0" b="0"/>
+          </a:effectRef>
+          <a:fontRef idx="minor">
+            <a:schemeClr val="lt1"/>
+          </a:fontRef>
+        </p:style>
+        <p:txBody>
+          <a:bodyPr rtlCol="0" anchor="ctr"/>
+          <a:lstStyle/>
+          <a:p>
+            <a:pPr algn="ctr"/>
+            <a:endParaRPr lang="zh-CN" altLang="en-US"/>
+          </a:p>
+        </p:txBody>
+      </p:sp>
+      <p:sp>
+        <p:nvSpPr>
+          <p:cNvPr id="28" name="文本框 27">
+            <a:extLst>
+              <a:ext uri="{FF2B5EF4-FFF2-40B4-BE49-F238E27FC236}">
+                <a16:creationId xmlns:a16="http://schemas.microsoft.com/office/drawing/2014/main" id="{101CAB6A-7B28-A302-6F62-ECFE69BE87FD}"/>
+              </a:ext>
+            </a:extLst>
+          </p:cNvPr>
+          <p:cNvSpPr txBox="1"/>
+          <p:nvPr/>
+        </p:nvSpPr>
+        <p:spPr>
+          <a:xfrm>
+            <a:off x="1362818" y="2543760"/>
+            <a:ext cx="915635" cy="369332"/>
+          </a:xfrm>
+          <a:prstGeom prst="rect">
+            <a:avLst/>
+          </a:prstGeom>
+          <a:noFill/>
+        </p:spPr>
+        <p:txBody>
+          <a:bodyPr wrap="none" rtlCol="0">
+            <a:spAutoFit/>
+          </a:bodyPr>
+          <a:lstStyle/>
+          <a:p>
+            <a:r>
+              <a:rPr lang="en-US" altLang="zh-CN" dirty="0"/>
+              <a:t>outside</a:t>
+            </a:r>
+            <a:endParaRPr lang="zh-CN" altLang="en-US" dirty="0"/>
+          </a:p>
+        </p:txBody>
+      </p:sp>
+      <p:sp>
+        <p:nvSpPr>
+          <p:cNvPr id="29" name="文本框 28">
+            <a:extLst>
+              <a:ext uri="{FF2B5EF4-FFF2-40B4-BE49-F238E27FC236}">
+                <a16:creationId xmlns:a16="http://schemas.microsoft.com/office/drawing/2014/main" id="{3EAE7979-F8FF-A54B-BA2E-8ED6246B7BB5}"/>
+              </a:ext>
+            </a:extLst>
+          </p:cNvPr>
+          <p:cNvSpPr txBox="1"/>
+          <p:nvPr/>
+        </p:nvSpPr>
+        <p:spPr>
+          <a:xfrm>
+            <a:off x="5041965" y="2538803"/>
+            <a:ext cx="891591" cy="369332"/>
+          </a:xfrm>
+          <a:prstGeom prst="rect">
+            <a:avLst/>
+          </a:prstGeom>
+          <a:noFill/>
+        </p:spPr>
+        <p:txBody>
+          <a:bodyPr wrap="none" rtlCol="0">
+            <a:spAutoFit/>
+          </a:bodyPr>
+          <a:lstStyle/>
+          <a:p>
+            <a:r>
+              <a:rPr lang="en-US" altLang="zh-CN" dirty="0"/>
+              <a:t>current</a:t>
+            </a:r>
+            <a:endParaRPr lang="zh-CN" altLang="en-US" dirty="0"/>
+          </a:p>
+        </p:txBody>
+      </p:sp>
+      <p:sp>
+        <p:nvSpPr>
+          <p:cNvPr id="30" name="文本框 29">
+            <a:extLst>
+              <a:ext uri="{FF2B5EF4-FFF2-40B4-BE49-F238E27FC236}">
+                <a16:creationId xmlns:a16="http://schemas.microsoft.com/office/drawing/2014/main" id="{E8F78A73-5E81-02D3-B662-834E410052A7}"/>
+              </a:ext>
+            </a:extLst>
+          </p:cNvPr>
+          <p:cNvSpPr txBox="1"/>
+          <p:nvPr/>
+        </p:nvSpPr>
+        <p:spPr>
+          <a:xfrm>
+            <a:off x="8453056" y="2538803"/>
+            <a:ext cx="1085554" cy="369332"/>
+          </a:xfrm>
+          <a:prstGeom prst="rect">
+            <a:avLst/>
+          </a:prstGeom>
+          <a:noFill/>
+        </p:spPr>
+        <p:txBody>
+          <a:bodyPr wrap="none" rtlCol="0">
+            <a:spAutoFit/>
+          </a:bodyPr>
+          <a:lstStyle/>
+          <a:p>
+            <a:r>
+              <a:rPr lang="en-US" altLang="zh-CN" dirty="0"/>
+              <a:t>expected</a:t>
+            </a:r>
+            <a:endParaRPr lang="zh-CN" altLang="en-US" dirty="0"/>
+          </a:p>
+        </p:txBody>
+      </p:sp>
+    </p:spTree>
+    <p:extLst>
+      <p:ext uri="{BB962C8B-B14F-4D97-AF65-F5344CB8AC3E}">
+        <p14:creationId xmlns:p14="http://schemas.microsoft.com/office/powerpoint/2010/main" val="415369177"/>
+      </p:ext>
+    </p:extLst>
+  </p:cSld>
+  <p:clrMapOvr>
+    <a:masterClrMapping/>
+  </p:clrMapOvr>
+</p:sld>
+</file>
+
 <file path=ppt/theme/theme1.xml><?xml version="1.0" encoding="utf-8"?>
 <a:theme xmlns:a="http://schemas.openxmlformats.org/drawingml/2006/main" name="Office 主题​​">
   <a:themeElements>

--- a/docs/_static/anime.pptx
+++ b/docs/_static/anime.pptx
@@ -7,6 +7,7 @@
   <p:sldIdLst>
     <p:sldId id="256" r:id="rId2"/>
     <p:sldId id="257" r:id="rId3"/>
+    <p:sldId id="258" r:id="rId4"/>
   </p:sldIdLst>
   <p:sldSz cx="12192000" cy="6858000"/>
   <p:notesSz cx="6858000" cy="9144000"/>
@@ -521,7 +522,7 @@
           <a:p>
             <a:fld id="{F22BDC89-9E9E-3E48-98D5-B035B26EE505}" type="datetimeFigureOut">
               <a:rPr kumimoji="1" lang="zh-CN" altLang="en-US" smtClean="0"/>
-              <a:t>2022/7/28</a:t>
+              <a:t>2022/12/6</a:t>
             </a:fld>
             <a:endParaRPr kumimoji="1" lang="zh-CN" altLang="en-US"/>
           </a:p>
@@ -719,7 +720,7 @@
           <a:p>
             <a:fld id="{F22BDC89-9E9E-3E48-98D5-B035B26EE505}" type="datetimeFigureOut">
               <a:rPr kumimoji="1" lang="zh-CN" altLang="en-US" smtClean="0"/>
-              <a:t>2022/7/28</a:t>
+              <a:t>2022/12/6</a:t>
             </a:fld>
             <a:endParaRPr kumimoji="1" lang="zh-CN" altLang="en-US"/>
           </a:p>
@@ -927,7 +928,7 @@
           <a:p>
             <a:fld id="{F22BDC89-9E9E-3E48-98D5-B035B26EE505}" type="datetimeFigureOut">
               <a:rPr kumimoji="1" lang="zh-CN" altLang="en-US" smtClean="0"/>
-              <a:t>2022/7/28</a:t>
+              <a:t>2022/12/6</a:t>
             </a:fld>
             <a:endParaRPr kumimoji="1" lang="zh-CN" altLang="en-US"/>
           </a:p>
@@ -1125,7 +1126,7 @@
           <a:p>
             <a:fld id="{F22BDC89-9E9E-3E48-98D5-B035B26EE505}" type="datetimeFigureOut">
               <a:rPr kumimoji="1" lang="zh-CN" altLang="en-US" smtClean="0"/>
-              <a:t>2022/7/28</a:t>
+              <a:t>2022/12/6</a:t>
             </a:fld>
             <a:endParaRPr kumimoji="1" lang="zh-CN" altLang="en-US"/>
           </a:p>
@@ -1400,7 +1401,7 @@
           <a:p>
             <a:fld id="{F22BDC89-9E9E-3E48-98D5-B035B26EE505}" type="datetimeFigureOut">
               <a:rPr kumimoji="1" lang="zh-CN" altLang="en-US" smtClean="0"/>
-              <a:t>2022/7/28</a:t>
+              <a:t>2022/12/6</a:t>
             </a:fld>
             <a:endParaRPr kumimoji="1" lang="zh-CN" altLang="en-US"/>
           </a:p>
@@ -1665,7 +1666,7 @@
           <a:p>
             <a:fld id="{F22BDC89-9E9E-3E48-98D5-B035B26EE505}" type="datetimeFigureOut">
               <a:rPr kumimoji="1" lang="zh-CN" altLang="en-US" smtClean="0"/>
-              <a:t>2022/7/28</a:t>
+              <a:t>2022/12/6</a:t>
             </a:fld>
             <a:endParaRPr kumimoji="1" lang="zh-CN" altLang="en-US"/>
           </a:p>
@@ -2077,7 +2078,7 @@
           <a:p>
             <a:fld id="{F22BDC89-9E9E-3E48-98D5-B035B26EE505}" type="datetimeFigureOut">
               <a:rPr kumimoji="1" lang="zh-CN" altLang="en-US" smtClean="0"/>
-              <a:t>2022/7/28</a:t>
+              <a:t>2022/12/6</a:t>
             </a:fld>
             <a:endParaRPr kumimoji="1" lang="zh-CN" altLang="en-US"/>
           </a:p>
@@ -2218,7 +2219,7 @@
           <a:p>
             <a:fld id="{F22BDC89-9E9E-3E48-98D5-B035B26EE505}" type="datetimeFigureOut">
               <a:rPr kumimoji="1" lang="zh-CN" altLang="en-US" smtClean="0"/>
-              <a:t>2022/7/28</a:t>
+              <a:t>2022/12/6</a:t>
             </a:fld>
             <a:endParaRPr kumimoji="1" lang="zh-CN" altLang="en-US"/>
           </a:p>
@@ -2331,7 +2332,7 @@
           <a:p>
             <a:fld id="{F22BDC89-9E9E-3E48-98D5-B035B26EE505}" type="datetimeFigureOut">
               <a:rPr kumimoji="1" lang="zh-CN" altLang="en-US" smtClean="0"/>
-              <a:t>2022/7/28</a:t>
+              <a:t>2022/12/6</a:t>
             </a:fld>
             <a:endParaRPr kumimoji="1" lang="zh-CN" altLang="en-US"/>
           </a:p>
@@ -2642,7 +2643,7 @@
           <a:p>
             <a:fld id="{F22BDC89-9E9E-3E48-98D5-B035B26EE505}" type="datetimeFigureOut">
               <a:rPr kumimoji="1" lang="zh-CN" altLang="en-US" smtClean="0"/>
-              <a:t>2022/7/28</a:t>
+              <a:t>2022/12/6</a:t>
             </a:fld>
             <a:endParaRPr kumimoji="1" lang="zh-CN" altLang="en-US"/>
           </a:p>
@@ -2930,7 +2931,7 @@
           <a:p>
             <a:fld id="{F22BDC89-9E9E-3E48-98D5-B035B26EE505}" type="datetimeFigureOut">
               <a:rPr kumimoji="1" lang="zh-CN" altLang="en-US" smtClean="0"/>
-              <a:t>2022/7/28</a:t>
+              <a:t>2022/12/6</a:t>
             </a:fld>
             <a:endParaRPr kumimoji="1" lang="zh-CN" altLang="en-US"/>
           </a:p>
@@ -3171,7 +3172,7 @@
           <a:p>
             <a:fld id="{F22BDC89-9E9E-3E48-98D5-B035B26EE505}" type="datetimeFigureOut">
               <a:rPr kumimoji="1" lang="zh-CN" altLang="en-US" smtClean="0"/>
-              <a:t>2022/7/28</a:t>
+              <a:t>2022/12/6</a:t>
             </a:fld>
             <a:endParaRPr kumimoji="1" lang="zh-CN" altLang="en-US"/>
           </a:p>
@@ -6253,6 +6254,1095 @@
 </p:sld>
 </file>
 
+<file path=ppt/slides/slide3.xml><?xml version="1.0" encoding="utf-8"?>
+<p:sld xmlns:a="http://schemas.openxmlformats.org/drawingml/2006/main" xmlns:r="http://schemas.openxmlformats.org/officeDocument/2006/relationships" xmlns:p="http://schemas.openxmlformats.org/presentationml/2006/main">
+  <p:cSld>
+    <p:spTree>
+      <p:nvGrpSpPr>
+        <p:cNvPr id="1" name=""/>
+        <p:cNvGrpSpPr/>
+        <p:nvPr/>
+      </p:nvGrpSpPr>
+      <p:grpSpPr>
+        <a:xfrm>
+          <a:off x="0" y="0"/>
+          <a:ext cx="0" cy="0"/>
+          <a:chOff x="0" y="0"/>
+          <a:chExt cx="0" cy="0"/>
+        </a:xfrm>
+      </p:grpSpPr>
+      <p:sp>
+        <p:nvSpPr>
+          <p:cNvPr id="2" name="矩形 1">
+            <a:extLst>
+              <a:ext uri="{FF2B5EF4-FFF2-40B4-BE49-F238E27FC236}">
+                <a16:creationId xmlns:a16="http://schemas.microsoft.com/office/drawing/2014/main" id="{AA9CA3C9-8DB1-F2FD-B846-562EA7B1B327}"/>
+              </a:ext>
+            </a:extLst>
+          </p:cNvPr>
+          <p:cNvSpPr/>
+          <p:nvPr/>
+        </p:nvSpPr>
+        <p:spPr>
+          <a:xfrm>
+            <a:off x="163551" y="171439"/>
+            <a:ext cx="2382087" cy="2713606"/>
+          </a:xfrm>
+          <a:prstGeom prst="rect">
+            <a:avLst/>
+          </a:prstGeom>
+          <a:solidFill>
+            <a:schemeClr val="accent5">
+              <a:alpha val="50000"/>
+            </a:schemeClr>
+          </a:solidFill>
+          <a:ln>
+            <a:noFill/>
+          </a:ln>
+        </p:spPr>
+        <p:style>
+          <a:lnRef idx="0">
+            <a:scrgbClr r="0" g="0" b="0"/>
+          </a:lnRef>
+          <a:fillRef idx="0">
+            <a:scrgbClr r="0" g="0" b="0"/>
+          </a:fillRef>
+          <a:effectRef idx="0">
+            <a:scrgbClr r="0" g="0" b="0"/>
+          </a:effectRef>
+          <a:fontRef idx="minor">
+            <a:schemeClr val="lt1"/>
+          </a:fontRef>
+        </p:style>
+        <p:txBody>
+          <a:bodyPr rtlCol="0" anchor="ctr"/>
+          <a:lstStyle/>
+          <a:p>
+            <a:pPr algn="ctr"/>
+            <a:endParaRPr lang="zh-CN" altLang="en-US"/>
+          </a:p>
+        </p:txBody>
+      </p:sp>
+      <p:pic>
+        <p:nvPicPr>
+          <p:cNvPr id="4" name="图片 3">
+            <a:extLst>
+              <a:ext uri="{FF2B5EF4-FFF2-40B4-BE49-F238E27FC236}">
+                <a16:creationId xmlns:a16="http://schemas.microsoft.com/office/drawing/2014/main" id="{0E5CE6A7-5BBB-17E1-4768-A5F3A7199CCD}"/>
+              </a:ext>
+            </a:extLst>
+          </p:cNvPr>
+          <p:cNvPicPr>
+            <a:picLocks noChangeAspect="1"/>
+          </p:cNvPicPr>
+          <p:nvPr/>
+        </p:nvPicPr>
+        <p:blipFill>
+          <a:blip r:embed="rId2">
+            <a:clrChange>
+              <a:clrFrom>
+                <a:srgbClr val="FFFFFF"/>
+              </a:clrFrom>
+              <a:clrTo>
+                <a:srgbClr val="FFFFFF">
+                  <a:alpha val="0"/>
+                </a:srgbClr>
+              </a:clrTo>
+            </a:clrChange>
+          </a:blip>
+          <a:stretch>
+            <a:fillRect/>
+          </a:stretch>
+        </p:blipFill>
+        <p:spPr>
+          <a:xfrm>
+            <a:off x="131957" y="171439"/>
+            <a:ext cx="2413681" cy="2713606"/>
+          </a:xfrm>
+          <a:prstGeom prst="rect">
+            <a:avLst/>
+          </a:prstGeom>
+        </p:spPr>
+      </p:pic>
+      <p:sp>
+        <p:nvSpPr>
+          <p:cNvPr id="6" name="矩形 5">
+            <a:extLst>
+              <a:ext uri="{FF2B5EF4-FFF2-40B4-BE49-F238E27FC236}">
+                <a16:creationId xmlns:a16="http://schemas.microsoft.com/office/drawing/2014/main" id="{AD707D6C-45E9-0155-0030-0D14C2F0F9DC}"/>
+              </a:ext>
+            </a:extLst>
+          </p:cNvPr>
+          <p:cNvSpPr/>
+          <p:nvPr/>
+        </p:nvSpPr>
+        <p:spPr>
+          <a:xfrm>
+            <a:off x="2684341" y="171439"/>
+            <a:ext cx="2382087" cy="2713606"/>
+          </a:xfrm>
+          <a:prstGeom prst="rect">
+            <a:avLst/>
+          </a:prstGeom>
+          <a:solidFill>
+            <a:schemeClr val="accent5">
+              <a:alpha val="50000"/>
+            </a:schemeClr>
+          </a:solidFill>
+          <a:ln>
+            <a:noFill/>
+          </a:ln>
+        </p:spPr>
+        <p:style>
+          <a:lnRef idx="0">
+            <a:scrgbClr r="0" g="0" b="0"/>
+          </a:lnRef>
+          <a:fillRef idx="0">
+            <a:scrgbClr r="0" g="0" b="0"/>
+          </a:fillRef>
+          <a:effectRef idx="0">
+            <a:scrgbClr r="0" g="0" b="0"/>
+          </a:effectRef>
+          <a:fontRef idx="minor">
+            <a:schemeClr val="lt1"/>
+          </a:fontRef>
+        </p:style>
+        <p:txBody>
+          <a:bodyPr rtlCol="0" anchor="ctr"/>
+          <a:lstStyle/>
+          <a:p>
+            <a:pPr algn="ctr"/>
+            <a:endParaRPr lang="zh-CN" altLang="en-US"/>
+          </a:p>
+        </p:txBody>
+      </p:sp>
+      <p:pic>
+        <p:nvPicPr>
+          <p:cNvPr id="7" name="图片 6">
+            <a:extLst>
+              <a:ext uri="{FF2B5EF4-FFF2-40B4-BE49-F238E27FC236}">
+                <a16:creationId xmlns:a16="http://schemas.microsoft.com/office/drawing/2014/main" id="{D2F8B670-F624-C2BA-BBBD-07916FA5B0A5}"/>
+              </a:ext>
+            </a:extLst>
+          </p:cNvPr>
+          <p:cNvPicPr>
+            <a:picLocks noChangeAspect="1"/>
+          </p:cNvPicPr>
+          <p:nvPr/>
+        </p:nvPicPr>
+        <p:blipFill>
+          <a:blip r:embed="rId2">
+            <a:clrChange>
+              <a:clrFrom>
+                <a:srgbClr val="FFFFFF"/>
+              </a:clrFrom>
+              <a:clrTo>
+                <a:srgbClr val="FFFFFF">
+                  <a:alpha val="0"/>
+                </a:srgbClr>
+              </a:clrTo>
+            </a:clrChange>
+          </a:blip>
+          <a:stretch>
+            <a:fillRect/>
+          </a:stretch>
+        </p:blipFill>
+        <p:spPr>
+          <a:xfrm>
+            <a:off x="2652747" y="171439"/>
+            <a:ext cx="2413681" cy="2713606"/>
+          </a:xfrm>
+          <a:prstGeom prst="rect">
+            <a:avLst/>
+          </a:prstGeom>
+        </p:spPr>
+      </p:pic>
+      <p:sp>
+        <p:nvSpPr>
+          <p:cNvPr id="8" name="矩形 7">
+            <a:extLst>
+              <a:ext uri="{FF2B5EF4-FFF2-40B4-BE49-F238E27FC236}">
+                <a16:creationId xmlns:a16="http://schemas.microsoft.com/office/drawing/2014/main" id="{5DBD5105-93BD-A8EF-FDB5-58FF17735F77}"/>
+              </a:ext>
+            </a:extLst>
+          </p:cNvPr>
+          <p:cNvSpPr/>
+          <p:nvPr/>
+        </p:nvSpPr>
+        <p:spPr>
+          <a:xfrm>
+            <a:off x="5205131" y="171439"/>
+            <a:ext cx="2382087" cy="2713606"/>
+          </a:xfrm>
+          <a:prstGeom prst="rect">
+            <a:avLst/>
+          </a:prstGeom>
+          <a:solidFill>
+            <a:schemeClr val="accent5">
+              <a:alpha val="50000"/>
+            </a:schemeClr>
+          </a:solidFill>
+          <a:ln>
+            <a:noFill/>
+          </a:ln>
+        </p:spPr>
+        <p:style>
+          <a:lnRef idx="0">
+            <a:scrgbClr r="0" g="0" b="0"/>
+          </a:lnRef>
+          <a:fillRef idx="0">
+            <a:scrgbClr r="0" g="0" b="0"/>
+          </a:fillRef>
+          <a:effectRef idx="0">
+            <a:scrgbClr r="0" g="0" b="0"/>
+          </a:effectRef>
+          <a:fontRef idx="minor">
+            <a:schemeClr val="lt1"/>
+          </a:fontRef>
+        </p:style>
+        <p:txBody>
+          <a:bodyPr rtlCol="0" anchor="ctr"/>
+          <a:lstStyle/>
+          <a:p>
+            <a:pPr algn="ctr"/>
+            <a:endParaRPr lang="zh-CN" altLang="en-US"/>
+          </a:p>
+        </p:txBody>
+      </p:sp>
+      <p:pic>
+        <p:nvPicPr>
+          <p:cNvPr id="9" name="图片 8">
+            <a:extLst>
+              <a:ext uri="{FF2B5EF4-FFF2-40B4-BE49-F238E27FC236}">
+                <a16:creationId xmlns:a16="http://schemas.microsoft.com/office/drawing/2014/main" id="{5A53F3ED-B38E-180E-96C0-CA70607D38ED}"/>
+              </a:ext>
+            </a:extLst>
+          </p:cNvPr>
+          <p:cNvPicPr>
+            <a:picLocks noChangeAspect="1"/>
+          </p:cNvPicPr>
+          <p:nvPr/>
+        </p:nvPicPr>
+        <p:blipFill>
+          <a:blip r:embed="rId2">
+            <a:clrChange>
+              <a:clrFrom>
+                <a:srgbClr val="FFFFFF"/>
+              </a:clrFrom>
+              <a:clrTo>
+                <a:srgbClr val="FFFFFF">
+                  <a:alpha val="0"/>
+                </a:srgbClr>
+              </a:clrTo>
+            </a:clrChange>
+          </a:blip>
+          <a:stretch>
+            <a:fillRect/>
+          </a:stretch>
+        </p:blipFill>
+        <p:spPr>
+          <a:xfrm>
+            <a:off x="5173537" y="171439"/>
+            <a:ext cx="2413681" cy="2713606"/>
+          </a:xfrm>
+          <a:prstGeom prst="rect">
+            <a:avLst/>
+          </a:prstGeom>
+        </p:spPr>
+      </p:pic>
+      <p:sp>
+        <p:nvSpPr>
+          <p:cNvPr id="10" name="矩形 9">
+            <a:extLst>
+              <a:ext uri="{FF2B5EF4-FFF2-40B4-BE49-F238E27FC236}">
+                <a16:creationId xmlns:a16="http://schemas.microsoft.com/office/drawing/2014/main" id="{C3EEEDBD-35F1-1205-058D-DB070186CFB6}"/>
+              </a:ext>
+            </a:extLst>
+          </p:cNvPr>
+          <p:cNvSpPr/>
+          <p:nvPr/>
+        </p:nvSpPr>
+        <p:spPr>
+          <a:xfrm>
+            <a:off x="7725921" y="171439"/>
+            <a:ext cx="2382087" cy="2713606"/>
+          </a:xfrm>
+          <a:prstGeom prst="rect">
+            <a:avLst/>
+          </a:prstGeom>
+          <a:solidFill>
+            <a:schemeClr val="accent5">
+              <a:alpha val="50000"/>
+            </a:schemeClr>
+          </a:solidFill>
+          <a:ln>
+            <a:noFill/>
+          </a:ln>
+        </p:spPr>
+        <p:style>
+          <a:lnRef idx="0">
+            <a:scrgbClr r="0" g="0" b="0"/>
+          </a:lnRef>
+          <a:fillRef idx="0">
+            <a:scrgbClr r="0" g="0" b="0"/>
+          </a:fillRef>
+          <a:effectRef idx="0">
+            <a:scrgbClr r="0" g="0" b="0"/>
+          </a:effectRef>
+          <a:fontRef idx="minor">
+            <a:schemeClr val="lt1"/>
+          </a:fontRef>
+        </p:style>
+        <p:txBody>
+          <a:bodyPr rtlCol="0" anchor="ctr"/>
+          <a:lstStyle/>
+          <a:p>
+            <a:pPr algn="ctr"/>
+            <a:endParaRPr lang="zh-CN" altLang="en-US"/>
+          </a:p>
+        </p:txBody>
+      </p:sp>
+      <p:pic>
+        <p:nvPicPr>
+          <p:cNvPr id="11" name="图片 10">
+            <a:extLst>
+              <a:ext uri="{FF2B5EF4-FFF2-40B4-BE49-F238E27FC236}">
+                <a16:creationId xmlns:a16="http://schemas.microsoft.com/office/drawing/2014/main" id="{3D06A507-D503-3C50-108D-56A7CC4DA70E}"/>
+              </a:ext>
+            </a:extLst>
+          </p:cNvPr>
+          <p:cNvPicPr>
+            <a:picLocks noChangeAspect="1"/>
+          </p:cNvPicPr>
+          <p:nvPr/>
+        </p:nvPicPr>
+        <p:blipFill>
+          <a:blip r:embed="rId2">
+            <a:clrChange>
+              <a:clrFrom>
+                <a:srgbClr val="FFFFFF"/>
+              </a:clrFrom>
+              <a:clrTo>
+                <a:srgbClr val="FFFFFF">
+                  <a:alpha val="0"/>
+                </a:srgbClr>
+              </a:clrTo>
+            </a:clrChange>
+          </a:blip>
+          <a:stretch>
+            <a:fillRect/>
+          </a:stretch>
+        </p:blipFill>
+        <p:spPr>
+          <a:xfrm>
+            <a:off x="7694327" y="171439"/>
+            <a:ext cx="2413681" cy="2713606"/>
+          </a:xfrm>
+          <a:prstGeom prst="rect">
+            <a:avLst/>
+          </a:prstGeom>
+        </p:spPr>
+      </p:pic>
+      <p:pic>
+        <p:nvPicPr>
+          <p:cNvPr id="13" name="图片 12">
+            <a:extLst>
+              <a:ext uri="{FF2B5EF4-FFF2-40B4-BE49-F238E27FC236}">
+                <a16:creationId xmlns:a16="http://schemas.microsoft.com/office/drawing/2014/main" id="{6E841ED2-6B09-B853-3C06-2636A4B1C652}"/>
+              </a:ext>
+            </a:extLst>
+          </p:cNvPr>
+          <p:cNvPicPr>
+            <a:picLocks noChangeAspect="1"/>
+          </p:cNvPicPr>
+          <p:nvPr/>
+        </p:nvPicPr>
+        <p:blipFill>
+          <a:blip r:embed="rId3">
+            <a:clrChange>
+              <a:clrFrom>
+                <a:srgbClr val="FFFFFF"/>
+              </a:clrFrom>
+              <a:clrTo>
+                <a:srgbClr val="FFFFFF">
+                  <a:alpha val="0"/>
+                </a:srgbClr>
+              </a:clrTo>
+            </a:clrChange>
+          </a:blip>
+          <a:stretch>
+            <a:fillRect/>
+          </a:stretch>
+        </p:blipFill>
+        <p:spPr>
+          <a:xfrm>
+            <a:off x="525168" y="510318"/>
+            <a:ext cx="1658851" cy="2109280"/>
+          </a:xfrm>
+          <a:prstGeom prst="rect">
+            <a:avLst/>
+          </a:prstGeom>
+        </p:spPr>
+      </p:pic>
+      <p:pic>
+        <p:nvPicPr>
+          <p:cNvPr id="14" name="图片 13">
+            <a:extLst>
+              <a:ext uri="{FF2B5EF4-FFF2-40B4-BE49-F238E27FC236}">
+                <a16:creationId xmlns:a16="http://schemas.microsoft.com/office/drawing/2014/main" id="{41629556-A8AF-2785-737F-9EF225C43F60}"/>
+              </a:ext>
+            </a:extLst>
+          </p:cNvPr>
+          <p:cNvPicPr>
+            <a:picLocks noChangeAspect="1"/>
+          </p:cNvPicPr>
+          <p:nvPr/>
+        </p:nvPicPr>
+        <p:blipFill>
+          <a:blip r:embed="rId3">
+            <a:clrChange>
+              <a:clrFrom>
+                <a:srgbClr val="FFFFFF"/>
+              </a:clrFrom>
+              <a:clrTo>
+                <a:srgbClr val="FFFFFF">
+                  <a:alpha val="0"/>
+                </a:srgbClr>
+              </a:clrTo>
+            </a:clrChange>
+          </a:blip>
+          <a:stretch>
+            <a:fillRect/>
+          </a:stretch>
+        </p:blipFill>
+        <p:spPr>
+          <a:xfrm rot="1248695">
+            <a:off x="3086984" y="549884"/>
+            <a:ext cx="1658851" cy="2109280"/>
+          </a:xfrm>
+          <a:prstGeom prst="rect">
+            <a:avLst/>
+          </a:prstGeom>
+        </p:spPr>
+      </p:pic>
+      <p:sp>
+        <p:nvSpPr>
+          <p:cNvPr id="18" name="矩形 17">
+            <a:extLst>
+              <a:ext uri="{FF2B5EF4-FFF2-40B4-BE49-F238E27FC236}">
+                <a16:creationId xmlns:a16="http://schemas.microsoft.com/office/drawing/2014/main" id="{5F99AC07-EBF2-179A-87E9-9650E31147D6}"/>
+              </a:ext>
+            </a:extLst>
+          </p:cNvPr>
+          <p:cNvSpPr/>
+          <p:nvPr/>
+        </p:nvSpPr>
+        <p:spPr>
+          <a:xfrm rot="1222052">
+            <a:off x="5801967" y="804121"/>
+            <a:ext cx="149469" cy="152400"/>
+          </a:xfrm>
+          <a:prstGeom prst="rect">
+            <a:avLst/>
+          </a:prstGeom>
+          <a:noFill/>
+          <a:ln>
+            <a:solidFill>
+              <a:srgbClr val="FF0000"/>
+            </a:solidFill>
+          </a:ln>
+          <a:effectLst>
+            <a:glow rad="12700">
+              <a:schemeClr val="bg1"/>
+            </a:glow>
+          </a:effectLst>
+        </p:spPr>
+        <p:style>
+          <a:lnRef idx="2">
+            <a:schemeClr val="accent1">
+              <a:shade val="50000"/>
+            </a:schemeClr>
+          </a:lnRef>
+          <a:fillRef idx="1">
+            <a:schemeClr val="accent1"/>
+          </a:fillRef>
+          <a:effectRef idx="0">
+            <a:schemeClr val="accent1"/>
+          </a:effectRef>
+          <a:fontRef idx="minor">
+            <a:schemeClr val="lt1"/>
+          </a:fontRef>
+        </p:style>
+        <p:txBody>
+          <a:bodyPr rtlCol="0" anchor="ctr"/>
+          <a:lstStyle/>
+          <a:p>
+            <a:pPr algn="ctr"/>
+            <a:endParaRPr lang="zh-CN" altLang="en-US"/>
+          </a:p>
+        </p:txBody>
+      </p:sp>
+      <p:sp>
+        <p:nvSpPr>
+          <p:cNvPr id="19" name="矩形 18">
+            <a:extLst>
+              <a:ext uri="{FF2B5EF4-FFF2-40B4-BE49-F238E27FC236}">
+                <a16:creationId xmlns:a16="http://schemas.microsoft.com/office/drawing/2014/main" id="{2647B760-D752-5C54-D8FC-1022CF790E8A}"/>
+              </a:ext>
+            </a:extLst>
+          </p:cNvPr>
+          <p:cNvSpPr/>
+          <p:nvPr/>
+        </p:nvSpPr>
+        <p:spPr>
+          <a:xfrm rot="244090">
+            <a:off x="5995133" y="1354595"/>
+            <a:ext cx="149469" cy="152400"/>
+          </a:xfrm>
+          <a:prstGeom prst="rect">
+            <a:avLst/>
+          </a:prstGeom>
+          <a:noFill/>
+          <a:ln>
+            <a:solidFill>
+              <a:srgbClr val="FF0000"/>
+            </a:solidFill>
+          </a:ln>
+          <a:effectLst>
+            <a:glow rad="12700">
+              <a:schemeClr val="bg1"/>
+            </a:glow>
+          </a:effectLst>
+        </p:spPr>
+        <p:style>
+          <a:lnRef idx="2">
+            <a:schemeClr val="accent1">
+              <a:shade val="50000"/>
+            </a:schemeClr>
+          </a:lnRef>
+          <a:fillRef idx="1">
+            <a:schemeClr val="accent1"/>
+          </a:fillRef>
+          <a:effectRef idx="0">
+            <a:schemeClr val="accent1"/>
+          </a:effectRef>
+          <a:fontRef idx="minor">
+            <a:schemeClr val="lt1"/>
+          </a:fontRef>
+        </p:style>
+        <p:txBody>
+          <a:bodyPr rtlCol="0" anchor="ctr"/>
+          <a:lstStyle/>
+          <a:p>
+            <a:pPr algn="ctr"/>
+            <a:endParaRPr lang="zh-CN" altLang="en-US"/>
+          </a:p>
+        </p:txBody>
+      </p:sp>
+      <p:sp>
+        <p:nvSpPr>
+          <p:cNvPr id="20" name="矩形 19">
+            <a:extLst>
+              <a:ext uri="{FF2B5EF4-FFF2-40B4-BE49-F238E27FC236}">
+                <a16:creationId xmlns:a16="http://schemas.microsoft.com/office/drawing/2014/main" id="{C228B7C6-1F7E-CFBE-B5B1-C2F208570973}"/>
+              </a:ext>
+            </a:extLst>
+          </p:cNvPr>
+          <p:cNvSpPr/>
+          <p:nvPr/>
+        </p:nvSpPr>
+        <p:spPr>
+          <a:xfrm rot="20110718">
+            <a:off x="6678819" y="1589292"/>
+            <a:ext cx="149469" cy="152400"/>
+          </a:xfrm>
+          <a:prstGeom prst="rect">
+            <a:avLst/>
+          </a:prstGeom>
+          <a:noFill/>
+          <a:ln>
+            <a:solidFill>
+              <a:srgbClr val="FF0000"/>
+            </a:solidFill>
+          </a:ln>
+          <a:effectLst>
+            <a:glow rad="12700">
+              <a:schemeClr val="bg1"/>
+            </a:glow>
+          </a:effectLst>
+        </p:spPr>
+        <p:style>
+          <a:lnRef idx="2">
+            <a:schemeClr val="accent1">
+              <a:shade val="50000"/>
+            </a:schemeClr>
+          </a:lnRef>
+          <a:fillRef idx="1">
+            <a:schemeClr val="accent1"/>
+          </a:fillRef>
+          <a:effectRef idx="0">
+            <a:schemeClr val="accent1"/>
+          </a:effectRef>
+          <a:fontRef idx="minor">
+            <a:schemeClr val="lt1"/>
+          </a:fontRef>
+        </p:style>
+        <p:txBody>
+          <a:bodyPr rtlCol="0" anchor="ctr"/>
+          <a:lstStyle/>
+          <a:p>
+            <a:pPr algn="ctr"/>
+            <a:endParaRPr lang="zh-CN" altLang="en-US"/>
+          </a:p>
+        </p:txBody>
+      </p:sp>
+      <p:sp>
+        <p:nvSpPr>
+          <p:cNvPr id="21" name="矩形 20">
+            <a:extLst>
+              <a:ext uri="{FF2B5EF4-FFF2-40B4-BE49-F238E27FC236}">
+                <a16:creationId xmlns:a16="http://schemas.microsoft.com/office/drawing/2014/main" id="{A57D9188-284C-F5F0-ABF8-2671C7370FAA}"/>
+              </a:ext>
+            </a:extLst>
+          </p:cNvPr>
+          <p:cNvSpPr/>
+          <p:nvPr/>
+        </p:nvSpPr>
+        <p:spPr>
+          <a:xfrm rot="1222052">
+            <a:off x="6129824" y="2024928"/>
+            <a:ext cx="149469" cy="152400"/>
+          </a:xfrm>
+          <a:prstGeom prst="rect">
+            <a:avLst/>
+          </a:prstGeom>
+          <a:noFill/>
+          <a:ln>
+            <a:solidFill>
+              <a:srgbClr val="FF0000"/>
+            </a:solidFill>
+          </a:ln>
+          <a:effectLst>
+            <a:glow rad="12700">
+              <a:schemeClr val="bg1"/>
+            </a:glow>
+          </a:effectLst>
+        </p:spPr>
+        <p:style>
+          <a:lnRef idx="2">
+            <a:schemeClr val="accent1">
+              <a:shade val="50000"/>
+            </a:schemeClr>
+          </a:lnRef>
+          <a:fillRef idx="1">
+            <a:schemeClr val="accent1"/>
+          </a:fillRef>
+          <a:effectRef idx="0">
+            <a:schemeClr val="accent1"/>
+          </a:effectRef>
+          <a:fontRef idx="minor">
+            <a:schemeClr val="lt1"/>
+          </a:fontRef>
+        </p:style>
+        <p:txBody>
+          <a:bodyPr rtlCol="0" anchor="ctr"/>
+          <a:lstStyle/>
+          <a:p>
+            <a:pPr algn="ctr"/>
+            <a:endParaRPr lang="zh-CN" altLang="en-US"/>
+          </a:p>
+        </p:txBody>
+      </p:sp>
+      <p:sp>
+        <p:nvSpPr>
+          <p:cNvPr id="30" name="任意多边形: 形状 29">
+            <a:extLst>
+              <a:ext uri="{FF2B5EF4-FFF2-40B4-BE49-F238E27FC236}">
+                <a16:creationId xmlns:a16="http://schemas.microsoft.com/office/drawing/2014/main" id="{5EAED8BB-3676-B3B2-5D2C-0BEE4D58ABFD}"/>
+              </a:ext>
+            </a:extLst>
+          </p:cNvPr>
+          <p:cNvSpPr/>
+          <p:nvPr/>
+        </p:nvSpPr>
+        <p:spPr>
+          <a:xfrm>
+            <a:off x="8606713" y="948214"/>
+            <a:ext cx="379896" cy="1233487"/>
+          </a:xfrm>
+          <a:custGeom>
+            <a:avLst/>
+            <a:gdLst>
+              <a:gd name="connsiteX0" fmla="*/ 105650 w 379896"/>
+              <a:gd name="connsiteY0" fmla="*/ 602324 h 1233487"/>
+              <a:gd name="connsiteX1" fmla="*/ 198193 w 379896"/>
+              <a:gd name="connsiteY1" fmla="*/ 946056 h 1233487"/>
+              <a:gd name="connsiteX2" fmla="*/ 282921 w 379896"/>
+              <a:gd name="connsiteY2" fmla="*/ 803275 h 1233487"/>
+              <a:gd name="connsiteX3" fmla="*/ 378171 w 379896"/>
+              <a:gd name="connsiteY3" fmla="*/ 966787 h 1233487"/>
+              <a:gd name="connsiteX4" fmla="*/ 351183 w 379896"/>
+              <a:gd name="connsiteY4" fmla="*/ 1233487 h 1233487"/>
+              <a:gd name="connsiteX5" fmla="*/ 197543 w 379896"/>
+              <a:gd name="connsiteY5" fmla="*/ 948381 h 1233487"/>
+              <a:gd name="connsiteX6" fmla="*/ 118902 w 379896"/>
+              <a:gd name="connsiteY6" fmla="*/ 1083819 h 1233487"/>
+              <a:gd name="connsiteX7" fmla="*/ 26137 w 379896"/>
+              <a:gd name="connsiteY7" fmla="*/ 986637 h 1233487"/>
+              <a:gd name="connsiteX8" fmla="*/ 8467 w 379896"/>
+              <a:gd name="connsiteY8" fmla="*/ 730428 h 1233487"/>
+              <a:gd name="connsiteX9" fmla="*/ 269461 w 379896"/>
+              <a:gd name="connsiteY9" fmla="*/ 319015 h 1233487"/>
+              <a:gd name="connsiteX10" fmla="*/ 362226 w 379896"/>
+              <a:gd name="connsiteY10" fmla="*/ 416197 h 1233487"/>
+              <a:gd name="connsiteX11" fmla="*/ 379896 w 379896"/>
+              <a:gd name="connsiteY11" fmla="*/ 672406 h 1233487"/>
+              <a:gd name="connsiteX12" fmla="*/ 282713 w 379896"/>
+              <a:gd name="connsiteY12" fmla="*/ 800510 h 1233487"/>
+              <a:gd name="connsiteX13" fmla="*/ 189948 w 379896"/>
+              <a:gd name="connsiteY13" fmla="*/ 455954 h 1233487"/>
+              <a:gd name="connsiteX14" fmla="*/ 97183 w 379896"/>
+              <a:gd name="connsiteY14" fmla="*/ 112022 h 1233487"/>
+              <a:gd name="connsiteX15" fmla="*/ 189948 w 379896"/>
+              <a:gd name="connsiteY15" fmla="*/ 456578 h 1233487"/>
+              <a:gd name="connsiteX16" fmla="*/ 110435 w 379896"/>
+              <a:gd name="connsiteY16" fmla="*/ 593517 h 1233487"/>
+              <a:gd name="connsiteX17" fmla="*/ 17670 w 379896"/>
+              <a:gd name="connsiteY17" fmla="*/ 496335 h 1233487"/>
+              <a:gd name="connsiteX18" fmla="*/ 0 w 379896"/>
+              <a:gd name="connsiteY18" fmla="*/ 240126 h 1233487"/>
+              <a:gd name="connsiteX19" fmla="*/ 232121 w 379896"/>
+              <a:gd name="connsiteY19" fmla="*/ 0 h 1233487"/>
+              <a:gd name="connsiteX20" fmla="*/ 268633 w 379896"/>
+              <a:gd name="connsiteY20" fmla="*/ 311150 h 1233487"/>
+              <a:gd name="connsiteX21" fmla="*/ 98771 w 379896"/>
+              <a:gd name="connsiteY21" fmla="*/ 100012 h 1233487"/>
+            </a:gdLst>
+            <a:ahLst/>
+            <a:cxnLst>
+              <a:cxn ang="0">
+                <a:pos x="connsiteX0" y="connsiteY0"/>
+              </a:cxn>
+              <a:cxn ang="0">
+                <a:pos x="connsiteX1" y="connsiteY1"/>
+              </a:cxn>
+              <a:cxn ang="0">
+                <a:pos x="connsiteX2" y="connsiteY2"/>
+              </a:cxn>
+              <a:cxn ang="0">
+                <a:pos x="connsiteX3" y="connsiteY3"/>
+              </a:cxn>
+              <a:cxn ang="0">
+                <a:pos x="connsiteX4" y="connsiteY4"/>
+              </a:cxn>
+              <a:cxn ang="0">
+                <a:pos x="connsiteX5" y="connsiteY5"/>
+              </a:cxn>
+              <a:cxn ang="0">
+                <a:pos x="connsiteX6" y="connsiteY6"/>
+              </a:cxn>
+              <a:cxn ang="0">
+                <a:pos x="connsiteX7" y="connsiteY7"/>
+              </a:cxn>
+              <a:cxn ang="0">
+                <a:pos x="connsiteX8" y="connsiteY8"/>
+              </a:cxn>
+              <a:cxn ang="0">
+                <a:pos x="connsiteX9" y="connsiteY9"/>
+              </a:cxn>
+              <a:cxn ang="0">
+                <a:pos x="connsiteX10" y="connsiteY10"/>
+              </a:cxn>
+              <a:cxn ang="0">
+                <a:pos x="connsiteX11" y="connsiteY11"/>
+              </a:cxn>
+              <a:cxn ang="0">
+                <a:pos x="connsiteX12" y="connsiteY12"/>
+              </a:cxn>
+              <a:cxn ang="0">
+                <a:pos x="connsiteX13" y="connsiteY13"/>
+              </a:cxn>
+              <a:cxn ang="0">
+                <a:pos x="connsiteX14" y="connsiteY14"/>
+              </a:cxn>
+              <a:cxn ang="0">
+                <a:pos x="connsiteX15" y="connsiteY15"/>
+              </a:cxn>
+              <a:cxn ang="0">
+                <a:pos x="connsiteX16" y="connsiteY16"/>
+              </a:cxn>
+              <a:cxn ang="0">
+                <a:pos x="connsiteX17" y="connsiteY17"/>
+              </a:cxn>
+              <a:cxn ang="0">
+                <a:pos x="connsiteX18" y="connsiteY18"/>
+              </a:cxn>
+              <a:cxn ang="0">
+                <a:pos x="connsiteX19" y="connsiteY19"/>
+              </a:cxn>
+              <a:cxn ang="0">
+                <a:pos x="connsiteX20" y="connsiteY20"/>
+              </a:cxn>
+              <a:cxn ang="0">
+                <a:pos x="connsiteX21" y="connsiteY21"/>
+              </a:cxn>
+            </a:cxnLst>
+            <a:rect l="l" t="t" r="r" b="b"/>
+            <a:pathLst>
+              <a:path w="379896" h="1233487">
+                <a:moveTo>
+                  <a:pt x="105650" y="602324"/>
+                </a:moveTo>
+                <a:lnTo>
+                  <a:pt x="198193" y="946056"/>
+                </a:lnTo>
+                <a:lnTo>
+                  <a:pt x="282921" y="803275"/>
+                </a:lnTo>
+                <a:lnTo>
+                  <a:pt x="378171" y="966787"/>
+                </a:lnTo>
+                <a:lnTo>
+                  <a:pt x="351183" y="1233487"/>
+                </a:lnTo>
+                <a:lnTo>
+                  <a:pt x="197543" y="948381"/>
+                </a:lnTo>
+                <a:lnTo>
+                  <a:pt x="118902" y="1083819"/>
+                </a:lnTo>
+                <a:lnTo>
+                  <a:pt x="26137" y="986637"/>
+                </a:lnTo>
+                <a:lnTo>
+                  <a:pt x="8467" y="730428"/>
+                </a:lnTo>
+                <a:close/>
+                <a:moveTo>
+                  <a:pt x="269461" y="319015"/>
+                </a:moveTo>
+                <a:lnTo>
+                  <a:pt x="362226" y="416197"/>
+                </a:lnTo>
+                <a:lnTo>
+                  <a:pt x="379896" y="672406"/>
+                </a:lnTo>
+                <a:lnTo>
+                  <a:pt x="282713" y="800510"/>
+                </a:lnTo>
+                <a:lnTo>
+                  <a:pt x="189948" y="455954"/>
+                </a:lnTo>
+                <a:close/>
+                <a:moveTo>
+                  <a:pt x="97183" y="112022"/>
+                </a:moveTo>
+                <a:lnTo>
+                  <a:pt x="189948" y="456578"/>
+                </a:lnTo>
+                <a:lnTo>
+                  <a:pt x="110435" y="593517"/>
+                </a:lnTo>
+                <a:lnTo>
+                  <a:pt x="17670" y="496335"/>
+                </a:lnTo>
+                <a:lnTo>
+                  <a:pt x="0" y="240126"/>
+                </a:lnTo>
+                <a:close/>
+                <a:moveTo>
+                  <a:pt x="232121" y="0"/>
+                </a:moveTo>
+                <a:lnTo>
+                  <a:pt x="268633" y="311150"/>
+                </a:lnTo>
+                <a:lnTo>
+                  <a:pt x="98771" y="100012"/>
+                </a:lnTo>
+                <a:close/>
+              </a:path>
+            </a:pathLst>
+          </a:custGeom>
+          <a:noFill/>
+          <a:ln>
+            <a:solidFill>
+              <a:srgbClr val="FF0000"/>
+            </a:solidFill>
+          </a:ln>
+          <a:effectLst>
+            <a:glow rad="12700">
+              <a:schemeClr val="bg1"/>
+            </a:glow>
+          </a:effectLst>
+        </p:spPr>
+        <p:style>
+          <a:lnRef idx="2">
+            <a:schemeClr val="accent1">
+              <a:shade val="50000"/>
+            </a:schemeClr>
+          </a:lnRef>
+          <a:fillRef idx="1">
+            <a:schemeClr val="accent1"/>
+          </a:fillRef>
+          <a:effectRef idx="0">
+            <a:schemeClr val="accent1"/>
+          </a:effectRef>
+          <a:fontRef idx="minor">
+            <a:schemeClr val="lt1"/>
+          </a:fontRef>
+        </p:style>
+        <p:txBody>
+          <a:bodyPr wrap="square" rtlCol="0" anchor="ctr">
+            <a:noAutofit/>
+          </a:bodyPr>
+          <a:lstStyle/>
+          <a:p>
+            <a:pPr algn="ctr"/>
+            <a:endParaRPr lang="zh-CN" altLang="en-US"/>
+          </a:p>
+        </p:txBody>
+      </p:sp>
+      <p:sp>
+        <p:nvSpPr>
+          <p:cNvPr id="31" name="任意多边形: 形状 30">
+            <a:extLst>
+              <a:ext uri="{FF2B5EF4-FFF2-40B4-BE49-F238E27FC236}">
+                <a16:creationId xmlns:a16="http://schemas.microsoft.com/office/drawing/2014/main" id="{D845A2F8-B867-F04D-D713-EA99BF92D594}"/>
+              </a:ext>
+            </a:extLst>
+          </p:cNvPr>
+          <p:cNvSpPr/>
+          <p:nvPr/>
+        </p:nvSpPr>
+        <p:spPr>
+          <a:xfrm>
+            <a:off x="9150626" y="1349485"/>
+            <a:ext cx="234122" cy="521252"/>
+          </a:xfrm>
+          <a:custGeom>
+            <a:avLst/>
+            <a:gdLst>
+              <a:gd name="connsiteX0" fmla="*/ 97183 w 234122"/>
+              <a:gd name="connsiteY0" fmla="*/ 0 h 521252"/>
+              <a:gd name="connsiteX1" fmla="*/ 0 w 234122"/>
+              <a:gd name="connsiteY1" fmla="*/ 159026 h 521252"/>
+              <a:gd name="connsiteX2" fmla="*/ 4417 w 234122"/>
+              <a:gd name="connsiteY2" fmla="*/ 397565 h 521252"/>
+              <a:gd name="connsiteX3" fmla="*/ 97183 w 234122"/>
+              <a:gd name="connsiteY3" fmla="*/ 521252 h 521252"/>
+              <a:gd name="connsiteX4" fmla="*/ 234122 w 234122"/>
+              <a:gd name="connsiteY4" fmla="*/ 384313 h 521252"/>
+              <a:gd name="connsiteX5" fmla="*/ 212035 w 234122"/>
+              <a:gd name="connsiteY5" fmla="*/ 198783 h 521252"/>
+              <a:gd name="connsiteX6" fmla="*/ 97183 w 234122"/>
+              <a:gd name="connsiteY6" fmla="*/ 0 h 521252"/>
+            </a:gdLst>
+            <a:ahLst/>
+            <a:cxnLst>
+              <a:cxn ang="0">
+                <a:pos x="connsiteX0" y="connsiteY0"/>
+              </a:cxn>
+              <a:cxn ang="0">
+                <a:pos x="connsiteX1" y="connsiteY1"/>
+              </a:cxn>
+              <a:cxn ang="0">
+                <a:pos x="connsiteX2" y="connsiteY2"/>
+              </a:cxn>
+              <a:cxn ang="0">
+                <a:pos x="connsiteX3" y="connsiteY3"/>
+              </a:cxn>
+              <a:cxn ang="0">
+                <a:pos x="connsiteX4" y="connsiteY4"/>
+              </a:cxn>
+              <a:cxn ang="0">
+                <a:pos x="connsiteX5" y="connsiteY5"/>
+              </a:cxn>
+              <a:cxn ang="0">
+                <a:pos x="connsiteX6" y="connsiteY6"/>
+              </a:cxn>
+            </a:cxnLst>
+            <a:rect l="l" t="t" r="r" b="b"/>
+            <a:pathLst>
+              <a:path w="234122" h="521252">
+                <a:moveTo>
+                  <a:pt x="97183" y="0"/>
+                </a:moveTo>
+                <a:lnTo>
+                  <a:pt x="0" y="159026"/>
+                </a:lnTo>
+                <a:cubicBezTo>
+                  <a:pt x="1472" y="238539"/>
+                  <a:pt x="2945" y="318052"/>
+                  <a:pt x="4417" y="397565"/>
+                </a:cubicBezTo>
+                <a:lnTo>
+                  <a:pt x="97183" y="521252"/>
+                </a:lnTo>
+                <a:lnTo>
+                  <a:pt x="234122" y="384313"/>
+                </a:lnTo>
+                <a:lnTo>
+                  <a:pt x="212035" y="198783"/>
+                </a:lnTo>
+                <a:lnTo>
+                  <a:pt x="97183" y="0"/>
+                </a:lnTo>
+                <a:close/>
+              </a:path>
+            </a:pathLst>
+          </a:custGeom>
+          <a:noFill/>
+          <a:ln>
+            <a:solidFill>
+              <a:srgbClr val="FF0000"/>
+            </a:solidFill>
+          </a:ln>
+          <a:effectLst>
+            <a:glow rad="12700">
+              <a:schemeClr val="bg1"/>
+            </a:glow>
+          </a:effectLst>
+        </p:spPr>
+        <p:style>
+          <a:lnRef idx="2">
+            <a:schemeClr val="accent1">
+              <a:shade val="50000"/>
+            </a:schemeClr>
+          </a:lnRef>
+          <a:fillRef idx="1">
+            <a:schemeClr val="accent1"/>
+          </a:fillRef>
+          <a:effectRef idx="0">
+            <a:schemeClr val="accent1"/>
+          </a:effectRef>
+          <a:fontRef idx="minor">
+            <a:schemeClr val="lt1"/>
+          </a:fontRef>
+        </p:style>
+        <p:txBody>
+          <a:bodyPr wrap="square" rtlCol="0" anchor="ctr">
+            <a:noAutofit/>
+          </a:bodyPr>
+          <a:lstStyle/>
+          <a:p>
+            <a:pPr algn="ctr"/>
+            <a:endParaRPr lang="zh-CN" altLang="en-US"/>
+          </a:p>
+        </p:txBody>
+      </p:sp>
+    </p:spTree>
+    <p:extLst>
+      <p:ext uri="{BB962C8B-B14F-4D97-AF65-F5344CB8AC3E}">
+        <p14:creationId xmlns:p14="http://schemas.microsoft.com/office/powerpoint/2010/main" val="473088845"/>
+      </p:ext>
+    </p:extLst>
+  </p:cSld>
+  <p:clrMapOvr>
+    <a:masterClrMapping/>
+  </p:clrMapOvr>
+</p:sld>
+</file>
+
 <file path=ppt/theme/theme1.xml><?xml version="1.0" encoding="utf-8"?>
 <a:theme xmlns:a="http://schemas.openxmlformats.org/drawingml/2006/main" name="Office 主题​​">
   <a:themeElements>

--- a/docs/_static/anime.pptx
+++ b/docs/_static/anime.pptx
@@ -8,6 +8,7 @@
     <p:sldId id="256" r:id="rId2"/>
     <p:sldId id="257" r:id="rId3"/>
     <p:sldId id="258" r:id="rId4"/>
+    <p:sldId id="259" r:id="rId5"/>
   </p:sldIdLst>
   <p:sldSz cx="12192000" cy="6858000"/>
   <p:notesSz cx="6858000" cy="9144000"/>
@@ -522,7 +523,7 @@
           <a:p>
             <a:fld id="{F22BDC89-9E9E-3E48-98D5-B035B26EE505}" type="datetimeFigureOut">
               <a:rPr kumimoji="1" lang="zh-CN" altLang="en-US" smtClean="0"/>
-              <a:t>2022/12/6</a:t>
+              <a:t>2023/1/6</a:t>
             </a:fld>
             <a:endParaRPr kumimoji="1" lang="zh-CN" altLang="en-US"/>
           </a:p>
@@ -720,7 +721,7 @@
           <a:p>
             <a:fld id="{F22BDC89-9E9E-3E48-98D5-B035B26EE505}" type="datetimeFigureOut">
               <a:rPr kumimoji="1" lang="zh-CN" altLang="en-US" smtClean="0"/>
-              <a:t>2022/12/6</a:t>
+              <a:t>2023/1/6</a:t>
             </a:fld>
             <a:endParaRPr kumimoji="1" lang="zh-CN" altLang="en-US"/>
           </a:p>
@@ -928,7 +929,7 @@
           <a:p>
             <a:fld id="{F22BDC89-9E9E-3E48-98D5-B035B26EE505}" type="datetimeFigureOut">
               <a:rPr kumimoji="1" lang="zh-CN" altLang="en-US" smtClean="0"/>
-              <a:t>2022/12/6</a:t>
+              <a:t>2023/1/6</a:t>
             </a:fld>
             <a:endParaRPr kumimoji="1" lang="zh-CN" altLang="en-US"/>
           </a:p>
@@ -1126,7 +1127,7 @@
           <a:p>
             <a:fld id="{F22BDC89-9E9E-3E48-98D5-B035B26EE505}" type="datetimeFigureOut">
               <a:rPr kumimoji="1" lang="zh-CN" altLang="en-US" smtClean="0"/>
-              <a:t>2022/12/6</a:t>
+              <a:t>2023/1/6</a:t>
             </a:fld>
             <a:endParaRPr kumimoji="1" lang="zh-CN" altLang="en-US"/>
           </a:p>
@@ -1401,7 +1402,7 @@
           <a:p>
             <a:fld id="{F22BDC89-9E9E-3E48-98D5-B035B26EE505}" type="datetimeFigureOut">
               <a:rPr kumimoji="1" lang="zh-CN" altLang="en-US" smtClean="0"/>
-              <a:t>2022/12/6</a:t>
+              <a:t>2023/1/6</a:t>
             </a:fld>
             <a:endParaRPr kumimoji="1" lang="zh-CN" altLang="en-US"/>
           </a:p>
@@ -1666,7 +1667,7 @@
           <a:p>
             <a:fld id="{F22BDC89-9E9E-3E48-98D5-B035B26EE505}" type="datetimeFigureOut">
               <a:rPr kumimoji="1" lang="zh-CN" altLang="en-US" smtClean="0"/>
-              <a:t>2022/12/6</a:t>
+              <a:t>2023/1/6</a:t>
             </a:fld>
             <a:endParaRPr kumimoji="1" lang="zh-CN" altLang="en-US"/>
           </a:p>
@@ -2078,7 +2079,7 @@
           <a:p>
             <a:fld id="{F22BDC89-9E9E-3E48-98D5-B035B26EE505}" type="datetimeFigureOut">
               <a:rPr kumimoji="1" lang="zh-CN" altLang="en-US" smtClean="0"/>
-              <a:t>2022/12/6</a:t>
+              <a:t>2023/1/6</a:t>
             </a:fld>
             <a:endParaRPr kumimoji="1" lang="zh-CN" altLang="en-US"/>
           </a:p>
@@ -2219,7 +2220,7 @@
           <a:p>
             <a:fld id="{F22BDC89-9E9E-3E48-98D5-B035B26EE505}" type="datetimeFigureOut">
               <a:rPr kumimoji="1" lang="zh-CN" altLang="en-US" smtClean="0"/>
-              <a:t>2022/12/6</a:t>
+              <a:t>2023/1/6</a:t>
             </a:fld>
             <a:endParaRPr kumimoji="1" lang="zh-CN" altLang="en-US"/>
           </a:p>
@@ -2332,7 +2333,7 @@
           <a:p>
             <a:fld id="{F22BDC89-9E9E-3E48-98D5-B035B26EE505}" type="datetimeFigureOut">
               <a:rPr kumimoji="1" lang="zh-CN" altLang="en-US" smtClean="0"/>
-              <a:t>2022/12/6</a:t>
+              <a:t>2023/1/6</a:t>
             </a:fld>
             <a:endParaRPr kumimoji="1" lang="zh-CN" altLang="en-US"/>
           </a:p>
@@ -2643,7 +2644,7 @@
           <a:p>
             <a:fld id="{F22BDC89-9E9E-3E48-98D5-B035B26EE505}" type="datetimeFigureOut">
               <a:rPr kumimoji="1" lang="zh-CN" altLang="en-US" smtClean="0"/>
-              <a:t>2022/12/6</a:t>
+              <a:t>2023/1/6</a:t>
             </a:fld>
             <a:endParaRPr kumimoji="1" lang="zh-CN" altLang="en-US"/>
           </a:p>
@@ -2931,7 +2932,7 @@
           <a:p>
             <a:fld id="{F22BDC89-9E9E-3E48-98D5-B035B26EE505}" type="datetimeFigureOut">
               <a:rPr kumimoji="1" lang="zh-CN" altLang="en-US" smtClean="0"/>
-              <a:t>2022/12/6</a:t>
+              <a:t>2023/1/6</a:t>
             </a:fld>
             <a:endParaRPr kumimoji="1" lang="zh-CN" altLang="en-US"/>
           </a:p>
@@ -3172,7 +3173,7 @@
           <a:p>
             <a:fld id="{F22BDC89-9E9E-3E48-98D5-B035B26EE505}" type="datetimeFigureOut">
               <a:rPr kumimoji="1" lang="zh-CN" altLang="en-US" smtClean="0"/>
-              <a:t>2022/12/6</a:t>
+              <a:t>2023/1/6</a:t>
             </a:fld>
             <a:endParaRPr kumimoji="1" lang="zh-CN" altLang="en-US"/>
           </a:p>
@@ -7343,6 +7344,1077 @@
 </p:sld>
 </file>
 
+<file path=ppt/slides/slide4.xml><?xml version="1.0" encoding="utf-8"?>
+<p:sld xmlns:a="http://schemas.openxmlformats.org/drawingml/2006/main" xmlns:r="http://schemas.openxmlformats.org/officeDocument/2006/relationships" xmlns:p="http://schemas.openxmlformats.org/presentationml/2006/main">
+  <p:cSld>
+    <p:spTree>
+      <p:nvGrpSpPr>
+        <p:cNvPr id="1" name=""/>
+        <p:cNvGrpSpPr/>
+        <p:nvPr/>
+      </p:nvGrpSpPr>
+      <p:grpSpPr>
+        <a:xfrm>
+          <a:off x="0" y="0"/>
+          <a:ext cx="0" cy="0"/>
+          <a:chOff x="0" y="0"/>
+          <a:chExt cx="0" cy="0"/>
+        </a:xfrm>
+      </p:grpSpPr>
+      <p:sp>
+        <p:nvSpPr>
+          <p:cNvPr id="2" name="椭圆 1">
+            <a:extLst>
+              <a:ext uri="{FF2B5EF4-FFF2-40B4-BE49-F238E27FC236}">
+                <a16:creationId xmlns:a16="http://schemas.microsoft.com/office/drawing/2014/main" id="{0601EC45-9708-883D-D9E3-0AA2F35F821F}"/>
+              </a:ext>
+            </a:extLst>
+          </p:cNvPr>
+          <p:cNvSpPr/>
+          <p:nvPr/>
+        </p:nvSpPr>
+        <p:spPr>
+          <a:xfrm>
+            <a:off x="1250731" y="840827"/>
+            <a:ext cx="126124" cy="126124"/>
+          </a:xfrm>
+          <a:prstGeom prst="ellipse">
+            <a:avLst/>
+          </a:prstGeom>
+          <a:ln>
+            <a:noFill/>
+          </a:ln>
+        </p:spPr>
+        <p:style>
+          <a:lnRef idx="2">
+            <a:schemeClr val="accent1">
+              <a:shade val="50000"/>
+            </a:schemeClr>
+          </a:lnRef>
+          <a:fillRef idx="1">
+            <a:schemeClr val="accent1"/>
+          </a:fillRef>
+          <a:effectRef idx="0">
+            <a:schemeClr val="accent1"/>
+          </a:effectRef>
+          <a:fontRef idx="minor">
+            <a:schemeClr val="lt1"/>
+          </a:fontRef>
+        </p:style>
+        <p:txBody>
+          <a:bodyPr rtlCol="0" anchor="ctr"/>
+          <a:lstStyle/>
+          <a:p>
+            <a:pPr algn="ctr"/>
+            <a:endParaRPr kumimoji="1" lang="zh-CN" altLang="en-US"/>
+          </a:p>
+        </p:txBody>
+      </p:sp>
+      <p:sp>
+        <p:nvSpPr>
+          <p:cNvPr id="3" name="椭圆 2">
+            <a:extLst>
+              <a:ext uri="{FF2B5EF4-FFF2-40B4-BE49-F238E27FC236}">
+                <a16:creationId xmlns:a16="http://schemas.microsoft.com/office/drawing/2014/main" id="{0CD6E60C-6749-E754-EC36-16993D829113}"/>
+              </a:ext>
+            </a:extLst>
+          </p:cNvPr>
+          <p:cNvSpPr/>
+          <p:nvPr/>
+        </p:nvSpPr>
+        <p:spPr>
+          <a:xfrm>
+            <a:off x="1240221" y="578067"/>
+            <a:ext cx="126124" cy="126124"/>
+          </a:xfrm>
+          <a:prstGeom prst="ellipse">
+            <a:avLst/>
+          </a:prstGeom>
+          <a:ln>
+            <a:noFill/>
+          </a:ln>
+        </p:spPr>
+        <p:style>
+          <a:lnRef idx="2">
+            <a:schemeClr val="accent1">
+              <a:shade val="50000"/>
+            </a:schemeClr>
+          </a:lnRef>
+          <a:fillRef idx="1">
+            <a:schemeClr val="accent1"/>
+          </a:fillRef>
+          <a:effectRef idx="0">
+            <a:schemeClr val="accent1"/>
+          </a:effectRef>
+          <a:fontRef idx="minor">
+            <a:schemeClr val="lt1"/>
+          </a:fontRef>
+        </p:style>
+        <p:txBody>
+          <a:bodyPr rtlCol="0" anchor="ctr"/>
+          <a:lstStyle/>
+          <a:p>
+            <a:pPr algn="ctr"/>
+            <a:endParaRPr kumimoji="1" lang="zh-CN" altLang="en-US"/>
+          </a:p>
+        </p:txBody>
+      </p:sp>
+      <p:sp>
+        <p:nvSpPr>
+          <p:cNvPr id="4" name="椭圆 3">
+            <a:extLst>
+              <a:ext uri="{FF2B5EF4-FFF2-40B4-BE49-F238E27FC236}">
+                <a16:creationId xmlns:a16="http://schemas.microsoft.com/office/drawing/2014/main" id="{570AF565-A41A-391A-5F7F-131B6181521D}"/>
+              </a:ext>
+            </a:extLst>
+          </p:cNvPr>
+          <p:cNvSpPr/>
+          <p:nvPr/>
+        </p:nvSpPr>
+        <p:spPr>
+          <a:xfrm>
+            <a:off x="1397876" y="641127"/>
+            <a:ext cx="126124" cy="126124"/>
+          </a:xfrm>
+          <a:prstGeom prst="ellipse">
+            <a:avLst/>
+          </a:prstGeom>
+          <a:ln>
+            <a:noFill/>
+          </a:ln>
+        </p:spPr>
+        <p:style>
+          <a:lnRef idx="2">
+            <a:schemeClr val="accent1">
+              <a:shade val="50000"/>
+            </a:schemeClr>
+          </a:lnRef>
+          <a:fillRef idx="1">
+            <a:schemeClr val="accent1"/>
+          </a:fillRef>
+          <a:effectRef idx="0">
+            <a:schemeClr val="accent1"/>
+          </a:effectRef>
+          <a:fontRef idx="minor">
+            <a:schemeClr val="lt1"/>
+          </a:fontRef>
+        </p:style>
+        <p:txBody>
+          <a:bodyPr rtlCol="0" anchor="ctr"/>
+          <a:lstStyle/>
+          <a:p>
+            <a:pPr algn="ctr"/>
+            <a:endParaRPr kumimoji="1" lang="zh-CN" altLang="en-US"/>
+          </a:p>
+        </p:txBody>
+      </p:sp>
+      <p:sp>
+        <p:nvSpPr>
+          <p:cNvPr id="5" name="椭圆 4">
+            <a:extLst>
+              <a:ext uri="{FF2B5EF4-FFF2-40B4-BE49-F238E27FC236}">
+                <a16:creationId xmlns:a16="http://schemas.microsoft.com/office/drawing/2014/main" id="{9E1330EF-0DFA-A2F8-6779-DBEAA261AE0E}"/>
+              </a:ext>
+            </a:extLst>
+          </p:cNvPr>
+          <p:cNvSpPr/>
+          <p:nvPr/>
+        </p:nvSpPr>
+        <p:spPr>
+          <a:xfrm>
+            <a:off x="1502979" y="966951"/>
+            <a:ext cx="126124" cy="126124"/>
+          </a:xfrm>
+          <a:prstGeom prst="ellipse">
+            <a:avLst/>
+          </a:prstGeom>
+          <a:ln>
+            <a:noFill/>
+          </a:ln>
+        </p:spPr>
+        <p:style>
+          <a:lnRef idx="2">
+            <a:schemeClr val="accent1">
+              <a:shade val="50000"/>
+            </a:schemeClr>
+          </a:lnRef>
+          <a:fillRef idx="1">
+            <a:schemeClr val="accent1"/>
+          </a:fillRef>
+          <a:effectRef idx="0">
+            <a:schemeClr val="accent1"/>
+          </a:effectRef>
+          <a:fontRef idx="minor">
+            <a:schemeClr val="lt1"/>
+          </a:fontRef>
+        </p:style>
+        <p:txBody>
+          <a:bodyPr rtlCol="0" anchor="ctr"/>
+          <a:lstStyle/>
+          <a:p>
+            <a:pPr algn="ctr"/>
+            <a:endParaRPr kumimoji="1" lang="zh-CN" altLang="en-US"/>
+          </a:p>
+        </p:txBody>
+      </p:sp>
+      <p:sp>
+        <p:nvSpPr>
+          <p:cNvPr id="6" name="椭圆 5">
+            <a:extLst>
+              <a:ext uri="{FF2B5EF4-FFF2-40B4-BE49-F238E27FC236}">
+                <a16:creationId xmlns:a16="http://schemas.microsoft.com/office/drawing/2014/main" id="{FC7DD6D6-7D32-1C8C-5D34-9214DBACBD11}"/>
+              </a:ext>
+            </a:extLst>
+          </p:cNvPr>
+          <p:cNvSpPr/>
+          <p:nvPr/>
+        </p:nvSpPr>
+        <p:spPr>
+          <a:xfrm>
+            <a:off x="1376855" y="1166644"/>
+            <a:ext cx="126124" cy="126124"/>
+          </a:xfrm>
+          <a:prstGeom prst="ellipse">
+            <a:avLst/>
+          </a:prstGeom>
+          <a:solidFill>
+            <a:schemeClr val="accent5">
+              <a:alpha val="50000"/>
+            </a:schemeClr>
+          </a:solidFill>
+          <a:ln>
+            <a:noFill/>
+          </a:ln>
+        </p:spPr>
+        <p:style>
+          <a:lnRef idx="0">
+            <a:scrgbClr r="0" g="0" b="0"/>
+          </a:lnRef>
+          <a:fillRef idx="0">
+            <a:scrgbClr r="0" g="0" b="0"/>
+          </a:fillRef>
+          <a:effectRef idx="0">
+            <a:scrgbClr r="0" g="0" b="0"/>
+          </a:effectRef>
+          <a:fontRef idx="minor">
+            <a:schemeClr val="lt1"/>
+          </a:fontRef>
+        </p:style>
+        <p:txBody>
+          <a:bodyPr rtlCol="0" anchor="ctr"/>
+          <a:lstStyle/>
+          <a:p>
+            <a:pPr algn="ctr"/>
+            <a:endParaRPr kumimoji="1" lang="zh-CN" altLang="en-US"/>
+          </a:p>
+        </p:txBody>
+      </p:sp>
+      <p:sp>
+        <p:nvSpPr>
+          <p:cNvPr id="7" name="椭圆 6">
+            <a:extLst>
+              <a:ext uri="{FF2B5EF4-FFF2-40B4-BE49-F238E27FC236}">
+                <a16:creationId xmlns:a16="http://schemas.microsoft.com/office/drawing/2014/main" id="{A1FAC4E3-A3B5-B8CB-9DD4-72E050BDDF69}"/>
+              </a:ext>
+            </a:extLst>
+          </p:cNvPr>
+          <p:cNvSpPr/>
+          <p:nvPr/>
+        </p:nvSpPr>
+        <p:spPr>
+          <a:xfrm>
+            <a:off x="1187669" y="1566037"/>
+            <a:ext cx="126124" cy="126124"/>
+          </a:xfrm>
+          <a:prstGeom prst="ellipse">
+            <a:avLst/>
+          </a:prstGeom>
+          <a:solidFill>
+            <a:schemeClr val="accent5">
+              <a:alpha val="50000"/>
+            </a:schemeClr>
+          </a:solidFill>
+          <a:ln>
+            <a:noFill/>
+          </a:ln>
+        </p:spPr>
+        <p:style>
+          <a:lnRef idx="0">
+            <a:scrgbClr r="0" g="0" b="0"/>
+          </a:lnRef>
+          <a:fillRef idx="0">
+            <a:scrgbClr r="0" g="0" b="0"/>
+          </a:fillRef>
+          <a:effectRef idx="0">
+            <a:scrgbClr r="0" g="0" b="0"/>
+          </a:effectRef>
+          <a:fontRef idx="minor">
+            <a:schemeClr val="lt1"/>
+          </a:fontRef>
+        </p:style>
+        <p:txBody>
+          <a:bodyPr rtlCol="0" anchor="ctr"/>
+          <a:lstStyle/>
+          <a:p>
+            <a:pPr algn="ctr"/>
+            <a:endParaRPr kumimoji="1" lang="zh-CN" altLang="en-US"/>
+          </a:p>
+        </p:txBody>
+      </p:sp>
+      <p:sp>
+        <p:nvSpPr>
+          <p:cNvPr id="8" name="椭圆 7">
+            <a:extLst>
+              <a:ext uri="{FF2B5EF4-FFF2-40B4-BE49-F238E27FC236}">
+                <a16:creationId xmlns:a16="http://schemas.microsoft.com/office/drawing/2014/main" id="{2175A432-3E92-60F4-1A5D-D865CFAB89D7}"/>
+              </a:ext>
+            </a:extLst>
+          </p:cNvPr>
+          <p:cNvSpPr/>
+          <p:nvPr/>
+        </p:nvSpPr>
+        <p:spPr>
+          <a:xfrm>
+            <a:off x="1208690" y="1177153"/>
+            <a:ext cx="126124" cy="126124"/>
+          </a:xfrm>
+          <a:prstGeom prst="ellipse">
+            <a:avLst/>
+          </a:prstGeom>
+          <a:solidFill>
+            <a:schemeClr val="accent5">
+              <a:alpha val="50000"/>
+            </a:schemeClr>
+          </a:solidFill>
+          <a:ln>
+            <a:noFill/>
+          </a:ln>
+        </p:spPr>
+        <p:style>
+          <a:lnRef idx="0">
+            <a:scrgbClr r="0" g="0" b="0"/>
+          </a:lnRef>
+          <a:fillRef idx="0">
+            <a:scrgbClr r="0" g="0" b="0"/>
+          </a:fillRef>
+          <a:effectRef idx="0">
+            <a:scrgbClr r="0" g="0" b="0"/>
+          </a:effectRef>
+          <a:fontRef idx="minor">
+            <a:schemeClr val="lt1"/>
+          </a:fontRef>
+        </p:style>
+        <p:txBody>
+          <a:bodyPr rtlCol="0" anchor="ctr"/>
+          <a:lstStyle/>
+          <a:p>
+            <a:pPr algn="ctr"/>
+            <a:endParaRPr kumimoji="1" lang="zh-CN" altLang="en-US"/>
+          </a:p>
+        </p:txBody>
+      </p:sp>
+      <p:sp>
+        <p:nvSpPr>
+          <p:cNvPr id="9" name="椭圆 8">
+            <a:extLst>
+              <a:ext uri="{FF2B5EF4-FFF2-40B4-BE49-F238E27FC236}">
+                <a16:creationId xmlns:a16="http://schemas.microsoft.com/office/drawing/2014/main" id="{55D8C3C3-9752-B8B2-FC9B-FE8D6A5326A3}"/>
+              </a:ext>
+            </a:extLst>
+          </p:cNvPr>
+          <p:cNvSpPr/>
+          <p:nvPr/>
+        </p:nvSpPr>
+        <p:spPr>
+          <a:xfrm>
+            <a:off x="1334814" y="1366337"/>
+            <a:ext cx="126124" cy="126124"/>
+          </a:xfrm>
+          <a:prstGeom prst="ellipse">
+            <a:avLst/>
+          </a:prstGeom>
+          <a:solidFill>
+            <a:schemeClr val="accent5">
+              <a:alpha val="50000"/>
+            </a:schemeClr>
+          </a:solidFill>
+          <a:ln>
+            <a:noFill/>
+          </a:ln>
+        </p:spPr>
+        <p:style>
+          <a:lnRef idx="0">
+            <a:scrgbClr r="0" g="0" b="0"/>
+          </a:lnRef>
+          <a:fillRef idx="0">
+            <a:scrgbClr r="0" g="0" b="0"/>
+          </a:fillRef>
+          <a:effectRef idx="0">
+            <a:scrgbClr r="0" g="0" b="0"/>
+          </a:effectRef>
+          <a:fontRef idx="minor">
+            <a:schemeClr val="lt1"/>
+          </a:fontRef>
+        </p:style>
+        <p:txBody>
+          <a:bodyPr rtlCol="0" anchor="ctr"/>
+          <a:lstStyle/>
+          <a:p>
+            <a:pPr algn="ctr"/>
+            <a:endParaRPr kumimoji="1" lang="zh-CN" altLang="en-US"/>
+          </a:p>
+        </p:txBody>
+      </p:sp>
+      <p:sp>
+        <p:nvSpPr>
+          <p:cNvPr id="10" name="椭圆 9">
+            <a:extLst>
+              <a:ext uri="{FF2B5EF4-FFF2-40B4-BE49-F238E27FC236}">
+                <a16:creationId xmlns:a16="http://schemas.microsoft.com/office/drawing/2014/main" id="{23B77EE8-12D7-658B-908A-E6FAA7233C27}"/>
+              </a:ext>
+            </a:extLst>
+          </p:cNvPr>
+          <p:cNvSpPr/>
+          <p:nvPr/>
+        </p:nvSpPr>
+        <p:spPr>
+          <a:xfrm>
+            <a:off x="1439917" y="1566033"/>
+            <a:ext cx="126124" cy="126124"/>
+          </a:xfrm>
+          <a:prstGeom prst="ellipse">
+            <a:avLst/>
+          </a:prstGeom>
+          <a:solidFill>
+            <a:schemeClr val="accent5">
+              <a:alpha val="50000"/>
+            </a:schemeClr>
+          </a:solidFill>
+          <a:ln>
+            <a:noFill/>
+          </a:ln>
+        </p:spPr>
+        <p:style>
+          <a:lnRef idx="0">
+            <a:scrgbClr r="0" g="0" b="0"/>
+          </a:lnRef>
+          <a:fillRef idx="0">
+            <a:scrgbClr r="0" g="0" b="0"/>
+          </a:fillRef>
+          <a:effectRef idx="0">
+            <a:scrgbClr r="0" g="0" b="0"/>
+          </a:effectRef>
+          <a:fontRef idx="minor">
+            <a:schemeClr val="lt1"/>
+          </a:fontRef>
+        </p:style>
+        <p:txBody>
+          <a:bodyPr rtlCol="0" anchor="ctr"/>
+          <a:lstStyle/>
+          <a:p>
+            <a:pPr algn="ctr"/>
+            <a:endParaRPr kumimoji="1" lang="zh-CN" altLang="en-US"/>
+          </a:p>
+        </p:txBody>
+      </p:sp>
+      <p:sp>
+        <p:nvSpPr>
+          <p:cNvPr id="11" name="椭圆 10">
+            <a:extLst>
+              <a:ext uri="{FF2B5EF4-FFF2-40B4-BE49-F238E27FC236}">
+                <a16:creationId xmlns:a16="http://schemas.microsoft.com/office/drawing/2014/main" id="{9A469B53-843F-9A8E-DF71-1432718D479B}"/>
+              </a:ext>
+            </a:extLst>
+          </p:cNvPr>
+          <p:cNvSpPr/>
+          <p:nvPr/>
+        </p:nvSpPr>
+        <p:spPr>
+          <a:xfrm>
+            <a:off x="1313793" y="1891854"/>
+            <a:ext cx="126124" cy="126124"/>
+          </a:xfrm>
+          <a:prstGeom prst="ellipse">
+            <a:avLst/>
+          </a:prstGeom>
+          <a:solidFill>
+            <a:schemeClr val="accent5">
+              <a:alpha val="50000"/>
+            </a:schemeClr>
+          </a:solidFill>
+          <a:ln>
+            <a:noFill/>
+          </a:ln>
+        </p:spPr>
+        <p:style>
+          <a:lnRef idx="0">
+            <a:scrgbClr r="0" g="0" b="0"/>
+          </a:lnRef>
+          <a:fillRef idx="0">
+            <a:scrgbClr r="0" g="0" b="0"/>
+          </a:fillRef>
+          <a:effectRef idx="0">
+            <a:scrgbClr r="0" g="0" b="0"/>
+          </a:effectRef>
+          <a:fontRef idx="minor">
+            <a:schemeClr val="lt1"/>
+          </a:fontRef>
+        </p:style>
+        <p:txBody>
+          <a:bodyPr rtlCol="0" anchor="ctr"/>
+          <a:lstStyle/>
+          <a:p>
+            <a:pPr algn="ctr"/>
+            <a:endParaRPr kumimoji="1" lang="zh-CN" altLang="en-US"/>
+          </a:p>
+        </p:txBody>
+      </p:sp>
+      <p:sp>
+        <p:nvSpPr>
+          <p:cNvPr id="12" name="椭圆 11">
+            <a:extLst>
+              <a:ext uri="{FF2B5EF4-FFF2-40B4-BE49-F238E27FC236}">
+                <a16:creationId xmlns:a16="http://schemas.microsoft.com/office/drawing/2014/main" id="{1C3A909C-4B32-695D-4A16-45FE273EC48D}"/>
+              </a:ext>
+            </a:extLst>
+          </p:cNvPr>
+          <p:cNvSpPr/>
+          <p:nvPr/>
+        </p:nvSpPr>
+        <p:spPr>
+          <a:xfrm>
+            <a:off x="1240221" y="2102052"/>
+            <a:ext cx="126124" cy="126124"/>
+          </a:xfrm>
+          <a:prstGeom prst="ellipse">
+            <a:avLst/>
+          </a:prstGeom>
+          <a:solidFill>
+            <a:schemeClr val="accent5">
+              <a:alpha val="50000"/>
+            </a:schemeClr>
+          </a:solidFill>
+          <a:ln>
+            <a:noFill/>
+          </a:ln>
+        </p:spPr>
+        <p:style>
+          <a:lnRef idx="0">
+            <a:scrgbClr r="0" g="0" b="0"/>
+          </a:lnRef>
+          <a:fillRef idx="0">
+            <a:scrgbClr r="0" g="0" b="0"/>
+          </a:fillRef>
+          <a:effectRef idx="0">
+            <a:scrgbClr r="0" g="0" b="0"/>
+          </a:effectRef>
+          <a:fontRef idx="minor">
+            <a:schemeClr val="lt1"/>
+          </a:fontRef>
+        </p:style>
+        <p:txBody>
+          <a:bodyPr rtlCol="0" anchor="ctr"/>
+          <a:lstStyle/>
+          <a:p>
+            <a:pPr algn="ctr"/>
+            <a:endParaRPr kumimoji="1" lang="zh-CN" altLang="en-US"/>
+          </a:p>
+        </p:txBody>
+      </p:sp>
+      <p:sp>
+        <p:nvSpPr>
+          <p:cNvPr id="13" name="椭圆 12">
+            <a:extLst>
+              <a:ext uri="{FF2B5EF4-FFF2-40B4-BE49-F238E27FC236}">
+                <a16:creationId xmlns:a16="http://schemas.microsoft.com/office/drawing/2014/main" id="{BE6361F3-BDA1-4697-78A1-F95826B3371D}"/>
+              </a:ext>
+            </a:extLst>
+          </p:cNvPr>
+          <p:cNvSpPr/>
+          <p:nvPr/>
+        </p:nvSpPr>
+        <p:spPr>
+          <a:xfrm>
+            <a:off x="1334813" y="1713168"/>
+            <a:ext cx="126124" cy="126124"/>
+          </a:xfrm>
+          <a:prstGeom prst="ellipse">
+            <a:avLst/>
+          </a:prstGeom>
+          <a:solidFill>
+            <a:schemeClr val="accent5">
+              <a:alpha val="50000"/>
+            </a:schemeClr>
+          </a:solidFill>
+          <a:ln>
+            <a:noFill/>
+          </a:ln>
+        </p:spPr>
+        <p:style>
+          <a:lnRef idx="0">
+            <a:scrgbClr r="0" g="0" b="0"/>
+          </a:lnRef>
+          <a:fillRef idx="0">
+            <a:scrgbClr r="0" g="0" b="0"/>
+          </a:fillRef>
+          <a:effectRef idx="0">
+            <a:scrgbClr r="0" g="0" b="0"/>
+          </a:effectRef>
+          <a:fontRef idx="minor">
+            <a:schemeClr val="lt1"/>
+          </a:fontRef>
+        </p:style>
+        <p:txBody>
+          <a:bodyPr rtlCol="0" anchor="ctr"/>
+          <a:lstStyle/>
+          <a:p>
+            <a:pPr algn="ctr"/>
+            <a:endParaRPr kumimoji="1" lang="zh-CN" altLang="en-US"/>
+          </a:p>
+        </p:txBody>
+      </p:sp>
+      <p:sp>
+        <p:nvSpPr>
+          <p:cNvPr id="14" name="椭圆 13">
+            <a:extLst>
+              <a:ext uri="{FF2B5EF4-FFF2-40B4-BE49-F238E27FC236}">
+                <a16:creationId xmlns:a16="http://schemas.microsoft.com/office/drawing/2014/main" id="{883F9C91-DC7A-649B-0F5C-85B2F5B29ECA}"/>
+              </a:ext>
+            </a:extLst>
+          </p:cNvPr>
+          <p:cNvSpPr/>
+          <p:nvPr/>
+        </p:nvSpPr>
+        <p:spPr>
+          <a:xfrm>
+            <a:off x="1492468" y="1776228"/>
+            <a:ext cx="126124" cy="126124"/>
+          </a:xfrm>
+          <a:prstGeom prst="ellipse">
+            <a:avLst/>
+          </a:prstGeom>
+          <a:solidFill>
+            <a:schemeClr val="accent5">
+              <a:alpha val="50000"/>
+            </a:schemeClr>
+          </a:solidFill>
+          <a:ln>
+            <a:noFill/>
+          </a:ln>
+        </p:spPr>
+        <p:style>
+          <a:lnRef idx="0">
+            <a:scrgbClr r="0" g="0" b="0"/>
+          </a:lnRef>
+          <a:fillRef idx="0">
+            <a:scrgbClr r="0" g="0" b="0"/>
+          </a:fillRef>
+          <a:effectRef idx="0">
+            <a:scrgbClr r="0" g="0" b="0"/>
+          </a:effectRef>
+          <a:fontRef idx="minor">
+            <a:schemeClr val="lt1"/>
+          </a:fontRef>
+        </p:style>
+        <p:txBody>
+          <a:bodyPr rtlCol="0" anchor="ctr"/>
+          <a:lstStyle/>
+          <a:p>
+            <a:pPr algn="ctr"/>
+            <a:endParaRPr kumimoji="1" lang="zh-CN" altLang="en-US"/>
+          </a:p>
+        </p:txBody>
+      </p:sp>
+      <p:sp>
+        <p:nvSpPr>
+          <p:cNvPr id="15" name="椭圆 14">
+            <a:extLst>
+              <a:ext uri="{FF2B5EF4-FFF2-40B4-BE49-F238E27FC236}">
+                <a16:creationId xmlns:a16="http://schemas.microsoft.com/office/drawing/2014/main" id="{A5EED63E-9639-6BB5-E14F-67B770FC5CFD}"/>
+              </a:ext>
+            </a:extLst>
+          </p:cNvPr>
+          <p:cNvSpPr/>
+          <p:nvPr/>
+        </p:nvSpPr>
+        <p:spPr>
+          <a:xfrm>
+            <a:off x="1397875" y="2196628"/>
+            <a:ext cx="126124" cy="126124"/>
+          </a:xfrm>
+          <a:prstGeom prst="ellipse">
+            <a:avLst/>
+          </a:prstGeom>
+          <a:solidFill>
+            <a:schemeClr val="accent5">
+              <a:alpha val="50000"/>
+            </a:schemeClr>
+          </a:solidFill>
+          <a:ln>
+            <a:noFill/>
+          </a:ln>
+        </p:spPr>
+        <p:style>
+          <a:lnRef idx="0">
+            <a:scrgbClr r="0" g="0" b="0"/>
+          </a:lnRef>
+          <a:fillRef idx="0">
+            <a:scrgbClr r="0" g="0" b="0"/>
+          </a:fillRef>
+          <a:effectRef idx="0">
+            <a:scrgbClr r="0" g="0" b="0"/>
+          </a:effectRef>
+          <a:fontRef idx="minor">
+            <a:schemeClr val="lt1"/>
+          </a:fontRef>
+        </p:style>
+        <p:txBody>
+          <a:bodyPr rtlCol="0" anchor="ctr"/>
+          <a:lstStyle/>
+          <a:p>
+            <a:pPr algn="ctr"/>
+            <a:endParaRPr kumimoji="1" lang="zh-CN" altLang="en-US"/>
+          </a:p>
+        </p:txBody>
+      </p:sp>
+      <p:sp>
+        <p:nvSpPr>
+          <p:cNvPr id="16" name="椭圆 15">
+            <a:extLst>
+              <a:ext uri="{FF2B5EF4-FFF2-40B4-BE49-F238E27FC236}">
+                <a16:creationId xmlns:a16="http://schemas.microsoft.com/office/drawing/2014/main" id="{7760D7A1-0811-17A3-2D22-E94A3E8E17FC}"/>
+              </a:ext>
+            </a:extLst>
+          </p:cNvPr>
+          <p:cNvSpPr/>
+          <p:nvPr/>
+        </p:nvSpPr>
+        <p:spPr>
+          <a:xfrm>
+            <a:off x="1271751" y="2396321"/>
+            <a:ext cx="126124" cy="126124"/>
+          </a:xfrm>
+          <a:prstGeom prst="ellipse">
+            <a:avLst/>
+          </a:prstGeom>
+          <a:solidFill>
+            <a:schemeClr val="accent5">
+              <a:alpha val="50000"/>
+            </a:schemeClr>
+          </a:solidFill>
+          <a:ln>
+            <a:noFill/>
+          </a:ln>
+        </p:spPr>
+        <p:style>
+          <a:lnRef idx="0">
+            <a:scrgbClr r="0" g="0" b="0"/>
+          </a:lnRef>
+          <a:fillRef idx="0">
+            <a:scrgbClr r="0" g="0" b="0"/>
+          </a:fillRef>
+          <a:effectRef idx="0">
+            <a:scrgbClr r="0" g="0" b="0"/>
+          </a:effectRef>
+          <a:fontRef idx="minor">
+            <a:schemeClr val="lt1"/>
+          </a:fontRef>
+        </p:style>
+        <p:txBody>
+          <a:bodyPr rtlCol="0" anchor="ctr"/>
+          <a:lstStyle/>
+          <a:p>
+            <a:pPr algn="ctr"/>
+            <a:endParaRPr kumimoji="1" lang="zh-CN" altLang="en-US"/>
+          </a:p>
+        </p:txBody>
+      </p:sp>
+      <p:cxnSp>
+        <p:nvCxnSpPr>
+          <p:cNvPr id="18" name="直线连接符 17">
+            <a:extLst>
+              <a:ext uri="{FF2B5EF4-FFF2-40B4-BE49-F238E27FC236}">
+                <a16:creationId xmlns:a16="http://schemas.microsoft.com/office/drawing/2014/main" id="{CB2A3A17-253A-445F-F737-F0B7232BD028}"/>
+              </a:ext>
+            </a:extLst>
+          </p:cNvPr>
+          <p:cNvCxnSpPr>
+            <a:cxnSpLocks/>
+          </p:cNvCxnSpPr>
+          <p:nvPr/>
+        </p:nvCxnSpPr>
+        <p:spPr>
+          <a:xfrm>
+            <a:off x="835572" y="1135113"/>
+            <a:ext cx="1907628" cy="0"/>
+          </a:xfrm>
+          <a:prstGeom prst="line">
+            <a:avLst/>
+          </a:prstGeom>
+          <a:ln w="9525" cap="flat" cmpd="sng" algn="ctr">
+            <a:solidFill>
+              <a:schemeClr val="accent2"/>
+            </a:solidFill>
+            <a:prstDash val="dash"/>
+            <a:round/>
+            <a:headEnd type="none" w="med" len="med"/>
+            <a:tailEnd type="none" w="med" len="med"/>
+          </a:ln>
+        </p:spPr>
+        <p:style>
+          <a:lnRef idx="0">
+            <a:scrgbClr r="0" g="0" b="0"/>
+          </a:lnRef>
+          <a:fillRef idx="0">
+            <a:scrgbClr r="0" g="0" b="0"/>
+          </a:fillRef>
+          <a:effectRef idx="0">
+            <a:scrgbClr r="0" g="0" b="0"/>
+          </a:effectRef>
+          <a:fontRef idx="minor">
+            <a:schemeClr val="tx1"/>
+          </a:fontRef>
+        </p:style>
+      </p:cxnSp>
+      <p:sp>
+        <p:nvSpPr>
+          <p:cNvPr id="19" name="右大括号 18">
+            <a:extLst>
+              <a:ext uri="{FF2B5EF4-FFF2-40B4-BE49-F238E27FC236}">
+                <a16:creationId xmlns:a16="http://schemas.microsoft.com/office/drawing/2014/main" id="{C60FA6B2-88E1-BE4A-65D2-BEE7D35CBF49}"/>
+              </a:ext>
+            </a:extLst>
+          </p:cNvPr>
+          <p:cNvSpPr/>
+          <p:nvPr/>
+        </p:nvSpPr>
+        <p:spPr>
+          <a:xfrm>
+            <a:off x="1718113" y="578062"/>
+            <a:ext cx="152400" cy="515008"/>
+          </a:xfrm>
+          <a:prstGeom prst="rightBrace">
+            <a:avLst>
+              <a:gd name="adj1" fmla="val 45833"/>
+              <a:gd name="adj2" fmla="val 50000"/>
+            </a:avLst>
+          </a:prstGeom>
+        </p:spPr>
+        <p:style>
+          <a:lnRef idx="3">
+            <a:schemeClr val="accent1"/>
+          </a:lnRef>
+          <a:fillRef idx="0">
+            <a:schemeClr val="accent1"/>
+          </a:fillRef>
+          <a:effectRef idx="2">
+            <a:schemeClr val="accent1"/>
+          </a:effectRef>
+          <a:fontRef idx="minor">
+            <a:schemeClr val="tx1"/>
+          </a:fontRef>
+        </p:style>
+        <p:txBody>
+          <a:bodyPr rtlCol="0" anchor="ctr"/>
+          <a:lstStyle/>
+          <a:p>
+            <a:pPr algn="ctr"/>
+            <a:endParaRPr kumimoji="1" lang="zh-CN" altLang="en-US"/>
+          </a:p>
+        </p:txBody>
+      </p:sp>
+      <p:sp>
+        <p:nvSpPr>
+          <p:cNvPr id="20" name="文本框 19">
+            <a:extLst>
+              <a:ext uri="{FF2B5EF4-FFF2-40B4-BE49-F238E27FC236}">
+                <a16:creationId xmlns:a16="http://schemas.microsoft.com/office/drawing/2014/main" id="{0B52E2AD-99C8-371D-ECCC-1584FC39EC1D}"/>
+              </a:ext>
+            </a:extLst>
+          </p:cNvPr>
+          <p:cNvSpPr txBox="1"/>
+          <p:nvPr/>
+        </p:nvSpPr>
+        <p:spPr>
+          <a:xfrm>
+            <a:off x="1918138" y="641127"/>
+            <a:ext cx="739305" cy="369332"/>
+          </a:xfrm>
+          <a:prstGeom prst="rect">
+            <a:avLst/>
+          </a:prstGeom>
+          <a:noFill/>
+        </p:spPr>
+        <p:txBody>
+          <a:bodyPr wrap="none" rtlCol="0">
+            <a:spAutoFit/>
+          </a:bodyPr>
+          <a:lstStyle/>
+          <a:p>
+            <a:r>
+              <a:rPr kumimoji="1" lang="en-US" altLang="zh-CN" dirty="0">
+                <a:solidFill>
+                  <a:schemeClr val="accent1"/>
+                </a:solidFill>
+              </a:rPr>
+              <a:t>mean</a:t>
+            </a:r>
+            <a:endParaRPr kumimoji="1" lang="zh-CN" altLang="en-US" dirty="0">
+              <a:solidFill>
+                <a:schemeClr val="accent1"/>
+              </a:solidFill>
+            </a:endParaRPr>
+          </a:p>
+        </p:txBody>
+      </p:sp>
+      <p:sp>
+        <p:nvSpPr>
+          <p:cNvPr id="21" name="文本框 20">
+            <a:extLst>
+              <a:ext uri="{FF2B5EF4-FFF2-40B4-BE49-F238E27FC236}">
+                <a16:creationId xmlns:a16="http://schemas.microsoft.com/office/drawing/2014/main" id="{2D300437-09C1-CD4A-9A52-AC04F2FA4D4D}"/>
+              </a:ext>
+            </a:extLst>
+          </p:cNvPr>
+          <p:cNvSpPr txBox="1"/>
+          <p:nvPr/>
+        </p:nvSpPr>
+        <p:spPr>
+          <a:xfrm>
+            <a:off x="1629103" y="1093070"/>
+            <a:ext cx="1523174" cy="369332"/>
+          </a:xfrm>
+          <a:prstGeom prst="rect">
+            <a:avLst/>
+          </a:prstGeom>
+          <a:noFill/>
+        </p:spPr>
+        <p:txBody>
+          <a:bodyPr wrap="none" rtlCol="0">
+            <a:spAutoFit/>
+          </a:bodyPr>
+          <a:lstStyle/>
+          <a:p>
+            <a:r>
+              <a:rPr kumimoji="1" lang="en-US" altLang="zh-CN" dirty="0" err="1">
+                <a:solidFill>
+                  <a:schemeClr val="accent2"/>
+                </a:solidFill>
+              </a:rPr>
+              <a:t>xth</a:t>
+            </a:r>
+            <a:r>
+              <a:rPr kumimoji="1" lang="zh-CN" altLang="en-US" dirty="0">
+                <a:solidFill>
+                  <a:schemeClr val="accent2"/>
+                </a:solidFill>
+              </a:rPr>
+              <a:t> </a:t>
+            </a:r>
+            <a:r>
+              <a:rPr kumimoji="1" lang="en-US" altLang="zh-CN" dirty="0">
+                <a:solidFill>
+                  <a:schemeClr val="accent2"/>
+                </a:solidFill>
+              </a:rPr>
+              <a:t>percentile</a:t>
+            </a:r>
+            <a:endParaRPr kumimoji="1" lang="zh-CN" altLang="en-US" dirty="0">
+              <a:solidFill>
+                <a:schemeClr val="accent2"/>
+              </a:solidFill>
+            </a:endParaRPr>
+          </a:p>
+        </p:txBody>
+      </p:sp>
+      <p:cxnSp>
+        <p:nvCxnSpPr>
+          <p:cNvPr id="26" name="直线箭头连接符 25">
+            <a:extLst>
+              <a:ext uri="{FF2B5EF4-FFF2-40B4-BE49-F238E27FC236}">
+                <a16:creationId xmlns:a16="http://schemas.microsoft.com/office/drawing/2014/main" id="{CE87B8BE-50F6-8280-8785-59A9259B143F}"/>
+              </a:ext>
+            </a:extLst>
+          </p:cNvPr>
+          <p:cNvCxnSpPr/>
+          <p:nvPr/>
+        </p:nvCxnSpPr>
+        <p:spPr>
+          <a:xfrm flipV="1">
+            <a:off x="776288" y="319088"/>
+            <a:ext cx="0" cy="2203357"/>
+          </a:xfrm>
+          <a:prstGeom prst="straightConnector1">
+            <a:avLst/>
+          </a:prstGeom>
+          <a:ln>
+            <a:tailEnd type="triangle"/>
+          </a:ln>
+        </p:spPr>
+        <p:style>
+          <a:lnRef idx="1">
+            <a:schemeClr val="dk1"/>
+          </a:lnRef>
+          <a:fillRef idx="0">
+            <a:schemeClr val="dk1"/>
+          </a:fillRef>
+          <a:effectRef idx="0">
+            <a:schemeClr val="dk1"/>
+          </a:effectRef>
+          <a:fontRef idx="minor">
+            <a:schemeClr val="tx1"/>
+          </a:fontRef>
+        </p:style>
+      </p:cxnSp>
+      <p:sp>
+        <p:nvSpPr>
+          <p:cNvPr id="27" name="文本框 26">
+            <a:extLst>
+              <a:ext uri="{FF2B5EF4-FFF2-40B4-BE49-F238E27FC236}">
+                <a16:creationId xmlns:a16="http://schemas.microsoft.com/office/drawing/2014/main" id="{E5293E58-E306-152E-ACE1-93ACC2C27F48}"/>
+              </a:ext>
+            </a:extLst>
+          </p:cNvPr>
+          <p:cNvSpPr txBox="1"/>
+          <p:nvPr/>
+        </p:nvSpPr>
+        <p:spPr>
+          <a:xfrm>
+            <a:off x="410073" y="0"/>
+            <a:ext cx="798617" cy="369332"/>
+          </a:xfrm>
+          <a:prstGeom prst="rect">
+            <a:avLst/>
+          </a:prstGeom>
+          <a:noFill/>
+        </p:spPr>
+        <p:txBody>
+          <a:bodyPr wrap="none" rtlCol="0">
+            <a:spAutoFit/>
+          </a:bodyPr>
+          <a:lstStyle/>
+          <a:p>
+            <a:r>
+              <a:rPr kumimoji="1" lang="en-US" altLang="zh-CN" dirty="0"/>
+              <a:t>values</a:t>
+            </a:r>
+            <a:endParaRPr kumimoji="1" lang="zh-CN" altLang="en-US" dirty="0"/>
+          </a:p>
+        </p:txBody>
+      </p:sp>
+    </p:spTree>
+    <p:extLst>
+      <p:ext uri="{BB962C8B-B14F-4D97-AF65-F5344CB8AC3E}">
+        <p14:creationId xmlns:p14="http://schemas.microsoft.com/office/powerpoint/2010/main" val="957682597"/>
+      </p:ext>
+    </p:extLst>
+  </p:cSld>
+  <p:clrMapOvr>
+    <a:masterClrMapping/>
+  </p:clrMapOvr>
+</p:sld>
+</file>
+
 <file path=ppt/theme/theme1.xml><?xml version="1.0" encoding="utf-8"?>
 <a:theme xmlns:a="http://schemas.openxmlformats.org/drawingml/2006/main" name="Office 主题​​">
   <a:themeElements>
